--- a/docs/Pictures.pptx
+++ b/docs/Pictures.pptx
@@ -3,11 +3,13 @@
 <p:presentation xmlns:a="http://schemas.openxmlformats.org/drawingml/2006/main" xmlns:p="http://schemas.openxmlformats.org/presentationml/2006/main" xmlns:r="http://schemas.openxmlformats.org/officeDocument/2006/relationships" xmlns:p14="http://schemas.microsoft.com/office/powerpoint/2010/main" xmlns:p15="http://schemas.microsoft.com/office/powerpoint/2012/main" xmlns:mc="http://schemas.openxmlformats.org/markup-compatibility/2006">
   <p:sldMasterIdLst>
     <p:sldMasterId id="2147483648" r:id="rId2"/>
+    <p:sldMasterId id="2147483661" r:id="rId3"/>
   </p:sldMasterIdLst>
   <p:sldIdLst>
-    <p:sldId id="256" r:id="rId3"/>
-    <p:sldId id="257" r:id="rId4"/>
-    <p:sldId id="258" r:id="rId5"/>
+    <p:sldId id="256" r:id="rId4"/>
+    <p:sldId id="257" r:id="rId5"/>
+    <p:sldId id="258" r:id="rId6"/>
+    <p:sldId id="259" r:id="rId7"/>
   </p:sldIdLst>
   <p:sldSz cx="12192000" cy="6858000"/>
   <p:notesSz cx="7559675" cy="10691812"/>
@@ -555,6 +557,557 @@
 </p:sldLayout>
 </file>
 
+<file path=ppt/slideLayouts/slideLayout13.xml><?xml version="1.0" encoding="utf-8"?>
+<p:sldLayout xmlns:a="http://schemas.openxmlformats.org/drawingml/2006/main" xmlns:p="http://schemas.openxmlformats.org/presentationml/2006/main" xmlns:r="http://schemas.openxmlformats.org/officeDocument/2006/relationships" xmlns:p14="http://schemas.microsoft.com/office/powerpoint/2010/main" xmlns:p15="http://schemas.microsoft.com/office/powerpoint/2012/main" xmlns:mc="http://schemas.openxmlformats.org/markup-compatibility/2006" type="blank" preserve="1">
+  <p:cSld name="Blank Slide">
+    <p:spTree>
+      <p:nvGrpSpPr>
+        <p:cNvPr id="1" name=""/>
+        <p:cNvGrpSpPr/>
+        <p:nvPr/>
+      </p:nvGrpSpPr>
+      <p:grpSpPr>
+        <a:xfrm>
+          <a:off x="0" y="0"/>
+          <a:ext cx="0" cy="0"/>
+          <a:chOff x="0" y="0"/>
+          <a:chExt cx="0" cy="0"/>
+        </a:xfrm>
+      </p:grpSpPr>
+    </p:spTree>
+  </p:cSld>
+</p:sldLayout>
+</file>
+
+<file path=ppt/slideLayouts/slideLayout14.xml><?xml version="1.0" encoding="utf-8"?>
+<p:sldLayout xmlns:a="http://schemas.openxmlformats.org/drawingml/2006/main" xmlns:p="http://schemas.openxmlformats.org/presentationml/2006/main" xmlns:r="http://schemas.openxmlformats.org/officeDocument/2006/relationships" xmlns:p14="http://schemas.microsoft.com/office/powerpoint/2010/main" xmlns:p15="http://schemas.microsoft.com/office/powerpoint/2012/main" xmlns:mc="http://schemas.openxmlformats.org/markup-compatibility/2006" type="tx" preserve="1">
+  <p:cSld name="Title Slide">
+    <p:spTree>
+      <p:nvGrpSpPr>
+        <p:cNvPr id="1" name=""/>
+        <p:cNvGrpSpPr/>
+        <p:nvPr/>
+      </p:nvGrpSpPr>
+      <p:grpSpPr>
+        <a:xfrm>
+          <a:off x="0" y="0"/>
+          <a:ext cx="0" cy="0"/>
+          <a:chOff x="0" y="0"/>
+          <a:chExt cx="0" cy="0"/>
+        </a:xfrm>
+      </p:grpSpPr>
+      <p:sp>
+        <p:nvSpPr>
+          <p:cNvPr id="40" name="PlaceHolder 1"/>
+          <p:cNvSpPr>
+            <a:spLocks noGrp="1"/>
+          </p:cNvSpPr>
+          <p:nvPr>
+            <p:ph type="title"/>
+          </p:nvPr>
+        </p:nvSpPr>
+        <p:spPr>
+          <a:xfrm>
+            <a:off x="609480" y="273600"/>
+            <a:ext cx="10972440" cy="1144800"/>
+          </a:xfrm>
+          <a:prstGeom prst="rect">
+            <a:avLst/>
+          </a:prstGeom>
+        </p:spPr>
+        <p:txBody>
+          <a:bodyPr lIns="0" rIns="0" tIns="0" bIns="0" anchor="ctr">
+            <a:noAutofit/>
+          </a:bodyPr>
+          <a:p>
+            <a:pPr algn="ctr"/>
+            <a:endParaRPr b="0" lang="sv-SE" sz="4400" spc="-1" strike="noStrike">
+              <a:latin typeface="Arial"/>
+            </a:endParaRPr>
+          </a:p>
+        </p:txBody>
+      </p:sp>
+      <p:sp>
+        <p:nvSpPr>
+          <p:cNvPr id="41" name="PlaceHolder 2"/>
+          <p:cNvSpPr>
+            <a:spLocks noGrp="1"/>
+          </p:cNvSpPr>
+          <p:nvPr>
+            <p:ph type="subTitle"/>
+          </p:nvPr>
+        </p:nvSpPr>
+        <p:spPr>
+          <a:xfrm>
+            <a:off x="609480" y="1604520"/>
+            <a:ext cx="10972440" cy="3977280"/>
+          </a:xfrm>
+          <a:prstGeom prst="rect">
+            <a:avLst/>
+          </a:prstGeom>
+        </p:spPr>
+        <p:txBody>
+          <a:bodyPr lIns="0" rIns="0" tIns="0" bIns="0" anchor="ctr">
+            <a:noAutofit/>
+          </a:bodyPr>
+          <a:p>
+            <a:pPr algn="ctr"/>
+            <a:endParaRPr b="0" lang="sv-SE" sz="3200" spc="-1" strike="noStrike">
+              <a:latin typeface="Arial"/>
+            </a:endParaRPr>
+          </a:p>
+        </p:txBody>
+      </p:sp>
+    </p:spTree>
+  </p:cSld>
+</p:sldLayout>
+</file>
+
+<file path=ppt/slideLayouts/slideLayout15.xml><?xml version="1.0" encoding="utf-8"?>
+<p:sldLayout xmlns:a="http://schemas.openxmlformats.org/drawingml/2006/main" xmlns:p="http://schemas.openxmlformats.org/presentationml/2006/main" xmlns:r="http://schemas.openxmlformats.org/officeDocument/2006/relationships" xmlns:p14="http://schemas.microsoft.com/office/powerpoint/2010/main" xmlns:p15="http://schemas.microsoft.com/office/powerpoint/2012/main" xmlns:mc="http://schemas.openxmlformats.org/markup-compatibility/2006" type="obj" preserve="1">
+  <p:cSld name="Title, Content">
+    <p:spTree>
+      <p:nvGrpSpPr>
+        <p:cNvPr id="1" name=""/>
+        <p:cNvGrpSpPr/>
+        <p:nvPr/>
+      </p:nvGrpSpPr>
+      <p:grpSpPr>
+        <a:xfrm>
+          <a:off x="0" y="0"/>
+          <a:ext cx="0" cy="0"/>
+          <a:chOff x="0" y="0"/>
+          <a:chExt cx="0" cy="0"/>
+        </a:xfrm>
+      </p:grpSpPr>
+      <p:sp>
+        <p:nvSpPr>
+          <p:cNvPr id="42" name="PlaceHolder 1"/>
+          <p:cNvSpPr>
+            <a:spLocks noGrp="1"/>
+          </p:cNvSpPr>
+          <p:nvPr>
+            <p:ph type="title"/>
+          </p:nvPr>
+        </p:nvSpPr>
+        <p:spPr>
+          <a:xfrm>
+            <a:off x="609480" y="273600"/>
+            <a:ext cx="10972440" cy="1144800"/>
+          </a:xfrm>
+          <a:prstGeom prst="rect">
+            <a:avLst/>
+          </a:prstGeom>
+        </p:spPr>
+        <p:txBody>
+          <a:bodyPr lIns="0" rIns="0" tIns="0" bIns="0" anchor="ctr">
+            <a:noAutofit/>
+          </a:bodyPr>
+          <a:p>
+            <a:pPr algn="ctr"/>
+            <a:endParaRPr b="0" lang="sv-SE" sz="4400" spc="-1" strike="noStrike">
+              <a:latin typeface="Arial"/>
+            </a:endParaRPr>
+          </a:p>
+        </p:txBody>
+      </p:sp>
+      <p:sp>
+        <p:nvSpPr>
+          <p:cNvPr id="43" name="PlaceHolder 2"/>
+          <p:cNvSpPr>
+            <a:spLocks noGrp="1"/>
+          </p:cNvSpPr>
+          <p:nvPr>
+            <p:ph type="body"/>
+          </p:nvPr>
+        </p:nvSpPr>
+        <p:spPr>
+          <a:xfrm>
+            <a:off x="609480" y="1604520"/>
+            <a:ext cx="10972440" cy="3977280"/>
+          </a:xfrm>
+          <a:prstGeom prst="rect">
+            <a:avLst/>
+          </a:prstGeom>
+        </p:spPr>
+        <p:txBody>
+          <a:bodyPr lIns="0" rIns="0" tIns="0" bIns="0">
+            <a:normAutofit/>
+          </a:bodyPr>
+          <a:p>
+            <a:endParaRPr b="0" lang="sv-SE" sz="3200" spc="-1" strike="noStrike">
+              <a:latin typeface="Arial"/>
+            </a:endParaRPr>
+          </a:p>
+        </p:txBody>
+      </p:sp>
+    </p:spTree>
+  </p:cSld>
+</p:sldLayout>
+</file>
+
+<file path=ppt/slideLayouts/slideLayout16.xml><?xml version="1.0" encoding="utf-8"?>
+<p:sldLayout xmlns:a="http://schemas.openxmlformats.org/drawingml/2006/main" xmlns:p="http://schemas.openxmlformats.org/presentationml/2006/main" xmlns:r="http://schemas.openxmlformats.org/officeDocument/2006/relationships" xmlns:p14="http://schemas.microsoft.com/office/powerpoint/2010/main" xmlns:p15="http://schemas.microsoft.com/office/powerpoint/2012/main" xmlns:mc="http://schemas.openxmlformats.org/markup-compatibility/2006" type="twoObj" preserve="1">
+  <p:cSld name="Title, 2 Content">
+    <p:spTree>
+      <p:nvGrpSpPr>
+        <p:cNvPr id="1" name=""/>
+        <p:cNvGrpSpPr/>
+        <p:nvPr/>
+      </p:nvGrpSpPr>
+      <p:grpSpPr>
+        <a:xfrm>
+          <a:off x="0" y="0"/>
+          <a:ext cx="0" cy="0"/>
+          <a:chOff x="0" y="0"/>
+          <a:chExt cx="0" cy="0"/>
+        </a:xfrm>
+      </p:grpSpPr>
+      <p:sp>
+        <p:nvSpPr>
+          <p:cNvPr id="44" name="PlaceHolder 1"/>
+          <p:cNvSpPr>
+            <a:spLocks noGrp="1"/>
+          </p:cNvSpPr>
+          <p:nvPr>
+            <p:ph type="title"/>
+          </p:nvPr>
+        </p:nvSpPr>
+        <p:spPr>
+          <a:xfrm>
+            <a:off x="609480" y="273600"/>
+            <a:ext cx="10972440" cy="1144800"/>
+          </a:xfrm>
+          <a:prstGeom prst="rect">
+            <a:avLst/>
+          </a:prstGeom>
+        </p:spPr>
+        <p:txBody>
+          <a:bodyPr lIns="0" rIns="0" tIns="0" bIns="0" anchor="ctr">
+            <a:noAutofit/>
+          </a:bodyPr>
+          <a:p>
+            <a:pPr algn="ctr"/>
+            <a:endParaRPr b="0" lang="sv-SE" sz="4400" spc="-1" strike="noStrike">
+              <a:latin typeface="Arial"/>
+            </a:endParaRPr>
+          </a:p>
+        </p:txBody>
+      </p:sp>
+      <p:sp>
+        <p:nvSpPr>
+          <p:cNvPr id="45" name="PlaceHolder 2"/>
+          <p:cNvSpPr>
+            <a:spLocks noGrp="1"/>
+          </p:cNvSpPr>
+          <p:nvPr>
+            <p:ph type="body"/>
+          </p:nvPr>
+        </p:nvSpPr>
+        <p:spPr>
+          <a:xfrm>
+            <a:off x="609480" y="1604520"/>
+            <a:ext cx="5354280" cy="3977280"/>
+          </a:xfrm>
+          <a:prstGeom prst="rect">
+            <a:avLst/>
+          </a:prstGeom>
+        </p:spPr>
+        <p:txBody>
+          <a:bodyPr lIns="0" rIns="0" tIns="0" bIns="0">
+            <a:normAutofit/>
+          </a:bodyPr>
+          <a:p>
+            <a:endParaRPr b="0" lang="sv-SE" sz="3200" spc="-1" strike="noStrike">
+              <a:latin typeface="Arial"/>
+            </a:endParaRPr>
+          </a:p>
+        </p:txBody>
+      </p:sp>
+      <p:sp>
+        <p:nvSpPr>
+          <p:cNvPr id="46" name="PlaceHolder 3"/>
+          <p:cNvSpPr>
+            <a:spLocks noGrp="1"/>
+          </p:cNvSpPr>
+          <p:nvPr>
+            <p:ph type="body"/>
+          </p:nvPr>
+        </p:nvSpPr>
+        <p:spPr>
+          <a:xfrm>
+            <a:off x="6231960" y="1604520"/>
+            <a:ext cx="5354280" cy="3977280"/>
+          </a:xfrm>
+          <a:prstGeom prst="rect">
+            <a:avLst/>
+          </a:prstGeom>
+        </p:spPr>
+        <p:txBody>
+          <a:bodyPr lIns="0" rIns="0" tIns="0" bIns="0">
+            <a:normAutofit/>
+          </a:bodyPr>
+          <a:p>
+            <a:endParaRPr b="0" lang="sv-SE" sz="3200" spc="-1" strike="noStrike">
+              <a:latin typeface="Arial"/>
+            </a:endParaRPr>
+          </a:p>
+        </p:txBody>
+      </p:sp>
+    </p:spTree>
+  </p:cSld>
+</p:sldLayout>
+</file>
+
+<file path=ppt/slideLayouts/slideLayout17.xml><?xml version="1.0" encoding="utf-8"?>
+<p:sldLayout xmlns:a="http://schemas.openxmlformats.org/drawingml/2006/main" xmlns:p="http://schemas.openxmlformats.org/presentationml/2006/main" xmlns:r="http://schemas.openxmlformats.org/officeDocument/2006/relationships" xmlns:p14="http://schemas.microsoft.com/office/powerpoint/2010/main" xmlns:p15="http://schemas.microsoft.com/office/powerpoint/2012/main" xmlns:mc="http://schemas.openxmlformats.org/markup-compatibility/2006" type="titleOnly" preserve="1">
+  <p:cSld name="Title Only">
+    <p:spTree>
+      <p:nvGrpSpPr>
+        <p:cNvPr id="1" name=""/>
+        <p:cNvGrpSpPr/>
+        <p:nvPr/>
+      </p:nvGrpSpPr>
+      <p:grpSpPr>
+        <a:xfrm>
+          <a:off x="0" y="0"/>
+          <a:ext cx="0" cy="0"/>
+          <a:chOff x="0" y="0"/>
+          <a:chExt cx="0" cy="0"/>
+        </a:xfrm>
+      </p:grpSpPr>
+      <p:sp>
+        <p:nvSpPr>
+          <p:cNvPr id="47" name="PlaceHolder 1"/>
+          <p:cNvSpPr>
+            <a:spLocks noGrp="1"/>
+          </p:cNvSpPr>
+          <p:nvPr>
+            <p:ph type="title"/>
+          </p:nvPr>
+        </p:nvSpPr>
+        <p:spPr>
+          <a:xfrm>
+            <a:off x="609480" y="273600"/>
+            <a:ext cx="10972440" cy="1144800"/>
+          </a:xfrm>
+          <a:prstGeom prst="rect">
+            <a:avLst/>
+          </a:prstGeom>
+        </p:spPr>
+        <p:txBody>
+          <a:bodyPr lIns="0" rIns="0" tIns="0" bIns="0" anchor="ctr">
+            <a:noAutofit/>
+          </a:bodyPr>
+          <a:p>
+            <a:pPr algn="ctr"/>
+            <a:endParaRPr b="0" lang="sv-SE" sz="4400" spc="-1" strike="noStrike">
+              <a:latin typeface="Arial"/>
+            </a:endParaRPr>
+          </a:p>
+        </p:txBody>
+      </p:sp>
+    </p:spTree>
+  </p:cSld>
+</p:sldLayout>
+</file>
+
+<file path=ppt/slideLayouts/slideLayout18.xml><?xml version="1.0" encoding="utf-8"?>
+<p:sldLayout xmlns:a="http://schemas.openxmlformats.org/drawingml/2006/main" xmlns:p="http://schemas.openxmlformats.org/presentationml/2006/main" xmlns:r="http://schemas.openxmlformats.org/officeDocument/2006/relationships" xmlns:p14="http://schemas.microsoft.com/office/powerpoint/2010/main" xmlns:p15="http://schemas.microsoft.com/office/powerpoint/2012/main" xmlns:mc="http://schemas.openxmlformats.org/markup-compatibility/2006" type="objOnly" preserve="1">
+  <p:cSld name="Centered Text">
+    <p:spTree>
+      <p:nvGrpSpPr>
+        <p:cNvPr id="1" name=""/>
+        <p:cNvGrpSpPr/>
+        <p:nvPr/>
+      </p:nvGrpSpPr>
+      <p:grpSpPr>
+        <a:xfrm>
+          <a:off x="0" y="0"/>
+          <a:ext cx="0" cy="0"/>
+          <a:chOff x="0" y="0"/>
+          <a:chExt cx="0" cy="0"/>
+        </a:xfrm>
+      </p:grpSpPr>
+      <p:sp>
+        <p:nvSpPr>
+          <p:cNvPr id="48" name="PlaceHolder 1"/>
+          <p:cNvSpPr>
+            <a:spLocks noGrp="1"/>
+          </p:cNvSpPr>
+          <p:nvPr>
+            <p:ph type="subTitle"/>
+          </p:nvPr>
+        </p:nvSpPr>
+        <p:spPr>
+          <a:xfrm>
+            <a:off x="609480" y="273600"/>
+            <a:ext cx="10972440" cy="5307840"/>
+          </a:xfrm>
+          <a:prstGeom prst="rect">
+            <a:avLst/>
+          </a:prstGeom>
+        </p:spPr>
+        <p:txBody>
+          <a:bodyPr lIns="0" rIns="0" tIns="0" bIns="0" anchor="ctr">
+            <a:noAutofit/>
+          </a:bodyPr>
+          <a:p>
+            <a:pPr algn="ctr"/>
+            <a:endParaRPr b="0" lang="sv-SE" sz="3200" spc="-1" strike="noStrike">
+              <a:latin typeface="Arial"/>
+            </a:endParaRPr>
+          </a:p>
+        </p:txBody>
+      </p:sp>
+    </p:spTree>
+  </p:cSld>
+</p:sldLayout>
+</file>
+
+<file path=ppt/slideLayouts/slideLayout19.xml><?xml version="1.0" encoding="utf-8"?>
+<p:sldLayout xmlns:a="http://schemas.openxmlformats.org/drawingml/2006/main" xmlns:p="http://schemas.openxmlformats.org/presentationml/2006/main" xmlns:r="http://schemas.openxmlformats.org/officeDocument/2006/relationships" xmlns:p14="http://schemas.microsoft.com/office/powerpoint/2010/main" xmlns:p15="http://schemas.microsoft.com/office/powerpoint/2012/main" xmlns:mc="http://schemas.openxmlformats.org/markup-compatibility/2006" type="twoObjAndObj" preserve="1">
+  <p:cSld name="Title, 2 Content and Content">
+    <p:spTree>
+      <p:nvGrpSpPr>
+        <p:cNvPr id="1" name=""/>
+        <p:cNvGrpSpPr/>
+        <p:nvPr/>
+      </p:nvGrpSpPr>
+      <p:grpSpPr>
+        <a:xfrm>
+          <a:off x="0" y="0"/>
+          <a:ext cx="0" cy="0"/>
+          <a:chOff x="0" y="0"/>
+          <a:chExt cx="0" cy="0"/>
+        </a:xfrm>
+      </p:grpSpPr>
+      <p:sp>
+        <p:nvSpPr>
+          <p:cNvPr id="49" name="PlaceHolder 1"/>
+          <p:cNvSpPr>
+            <a:spLocks noGrp="1"/>
+          </p:cNvSpPr>
+          <p:nvPr>
+            <p:ph type="title"/>
+          </p:nvPr>
+        </p:nvSpPr>
+        <p:spPr>
+          <a:xfrm>
+            <a:off x="609480" y="273600"/>
+            <a:ext cx="10972440" cy="1144800"/>
+          </a:xfrm>
+          <a:prstGeom prst="rect">
+            <a:avLst/>
+          </a:prstGeom>
+        </p:spPr>
+        <p:txBody>
+          <a:bodyPr lIns="0" rIns="0" tIns="0" bIns="0" anchor="ctr">
+            <a:noAutofit/>
+          </a:bodyPr>
+          <a:p>
+            <a:pPr algn="ctr"/>
+            <a:endParaRPr b="0" lang="sv-SE" sz="4400" spc="-1" strike="noStrike">
+              <a:latin typeface="Arial"/>
+            </a:endParaRPr>
+          </a:p>
+        </p:txBody>
+      </p:sp>
+      <p:sp>
+        <p:nvSpPr>
+          <p:cNvPr id="50" name="PlaceHolder 2"/>
+          <p:cNvSpPr>
+            <a:spLocks noGrp="1"/>
+          </p:cNvSpPr>
+          <p:nvPr>
+            <p:ph type="body"/>
+          </p:nvPr>
+        </p:nvSpPr>
+        <p:spPr>
+          <a:xfrm>
+            <a:off x="609480" y="1604520"/>
+            <a:ext cx="5354280" cy="1896840"/>
+          </a:xfrm>
+          <a:prstGeom prst="rect">
+            <a:avLst/>
+          </a:prstGeom>
+        </p:spPr>
+        <p:txBody>
+          <a:bodyPr lIns="0" rIns="0" tIns="0" bIns="0">
+            <a:normAutofit/>
+          </a:bodyPr>
+          <a:p>
+            <a:endParaRPr b="0" lang="sv-SE" sz="3200" spc="-1" strike="noStrike">
+              <a:latin typeface="Arial"/>
+            </a:endParaRPr>
+          </a:p>
+        </p:txBody>
+      </p:sp>
+      <p:sp>
+        <p:nvSpPr>
+          <p:cNvPr id="51" name="PlaceHolder 3"/>
+          <p:cNvSpPr>
+            <a:spLocks noGrp="1"/>
+          </p:cNvSpPr>
+          <p:nvPr>
+            <p:ph type="body"/>
+          </p:nvPr>
+        </p:nvSpPr>
+        <p:spPr>
+          <a:xfrm>
+            <a:off x="6231960" y="1604520"/>
+            <a:ext cx="5354280" cy="3977280"/>
+          </a:xfrm>
+          <a:prstGeom prst="rect">
+            <a:avLst/>
+          </a:prstGeom>
+        </p:spPr>
+        <p:txBody>
+          <a:bodyPr lIns="0" rIns="0" tIns="0" bIns="0">
+            <a:normAutofit/>
+          </a:bodyPr>
+          <a:p>
+            <a:endParaRPr b="0" lang="sv-SE" sz="3200" spc="-1" strike="noStrike">
+              <a:latin typeface="Arial"/>
+            </a:endParaRPr>
+          </a:p>
+        </p:txBody>
+      </p:sp>
+      <p:sp>
+        <p:nvSpPr>
+          <p:cNvPr id="52" name="PlaceHolder 4"/>
+          <p:cNvSpPr>
+            <a:spLocks noGrp="1"/>
+          </p:cNvSpPr>
+          <p:nvPr>
+            <p:ph type="body"/>
+          </p:nvPr>
+        </p:nvSpPr>
+        <p:spPr>
+          <a:xfrm>
+            <a:off x="609480" y="3682080"/>
+            <a:ext cx="5354280" cy="1896840"/>
+          </a:xfrm>
+          <a:prstGeom prst="rect">
+            <a:avLst/>
+          </a:prstGeom>
+        </p:spPr>
+        <p:txBody>
+          <a:bodyPr lIns="0" rIns="0" tIns="0" bIns="0">
+            <a:normAutofit/>
+          </a:bodyPr>
+          <a:p>
+            <a:endParaRPr b="0" lang="sv-SE" sz="3200" spc="-1" strike="noStrike">
+              <a:latin typeface="Arial"/>
+            </a:endParaRPr>
+          </a:p>
+        </p:txBody>
+      </p:sp>
+    </p:spTree>
+  </p:cSld>
+</p:sldLayout>
+</file>
+
 <file path=ppt/slideLayouts/slideLayout2.xml><?xml version="1.0" encoding="utf-8"?>
 <p:sldLayout xmlns:a="http://schemas.openxmlformats.org/drawingml/2006/main" xmlns:p="http://schemas.openxmlformats.org/presentationml/2006/main" xmlns:r="http://schemas.openxmlformats.org/officeDocument/2006/relationships" xmlns:p14="http://schemas.microsoft.com/office/powerpoint/2010/main" xmlns:p15="http://schemas.microsoft.com/office/powerpoint/2012/main" xmlns:mc="http://schemas.openxmlformats.org/markup-compatibility/2006" type="tx" preserve="1">
   <p:cSld name="Title Slide">
@@ -628,6 +1181,811 @@
           </a:bodyPr>
           <a:p>
             <a:pPr algn="ctr"/>
+            <a:endParaRPr b="0" lang="sv-SE" sz="3200" spc="-1" strike="noStrike">
+              <a:latin typeface="Arial"/>
+            </a:endParaRPr>
+          </a:p>
+        </p:txBody>
+      </p:sp>
+    </p:spTree>
+  </p:cSld>
+</p:sldLayout>
+</file>
+
+<file path=ppt/slideLayouts/slideLayout20.xml><?xml version="1.0" encoding="utf-8"?>
+<p:sldLayout xmlns:a="http://schemas.openxmlformats.org/drawingml/2006/main" xmlns:p="http://schemas.openxmlformats.org/presentationml/2006/main" xmlns:r="http://schemas.openxmlformats.org/officeDocument/2006/relationships" xmlns:p14="http://schemas.microsoft.com/office/powerpoint/2010/main" xmlns:p15="http://schemas.microsoft.com/office/powerpoint/2012/main" xmlns:mc="http://schemas.openxmlformats.org/markup-compatibility/2006" type="objAndTwoObj" preserve="1">
+  <p:cSld name="Title Content and 2 Content">
+    <p:spTree>
+      <p:nvGrpSpPr>
+        <p:cNvPr id="1" name=""/>
+        <p:cNvGrpSpPr/>
+        <p:nvPr/>
+      </p:nvGrpSpPr>
+      <p:grpSpPr>
+        <a:xfrm>
+          <a:off x="0" y="0"/>
+          <a:ext cx="0" cy="0"/>
+          <a:chOff x="0" y="0"/>
+          <a:chExt cx="0" cy="0"/>
+        </a:xfrm>
+      </p:grpSpPr>
+      <p:sp>
+        <p:nvSpPr>
+          <p:cNvPr id="53" name="PlaceHolder 1"/>
+          <p:cNvSpPr>
+            <a:spLocks noGrp="1"/>
+          </p:cNvSpPr>
+          <p:nvPr>
+            <p:ph type="title"/>
+          </p:nvPr>
+        </p:nvSpPr>
+        <p:spPr>
+          <a:xfrm>
+            <a:off x="609480" y="273600"/>
+            <a:ext cx="10972440" cy="1144800"/>
+          </a:xfrm>
+          <a:prstGeom prst="rect">
+            <a:avLst/>
+          </a:prstGeom>
+        </p:spPr>
+        <p:txBody>
+          <a:bodyPr lIns="0" rIns="0" tIns="0" bIns="0" anchor="ctr">
+            <a:noAutofit/>
+          </a:bodyPr>
+          <a:p>
+            <a:pPr algn="ctr"/>
+            <a:endParaRPr b="0" lang="sv-SE" sz="4400" spc="-1" strike="noStrike">
+              <a:latin typeface="Arial"/>
+            </a:endParaRPr>
+          </a:p>
+        </p:txBody>
+      </p:sp>
+      <p:sp>
+        <p:nvSpPr>
+          <p:cNvPr id="54" name="PlaceHolder 2"/>
+          <p:cNvSpPr>
+            <a:spLocks noGrp="1"/>
+          </p:cNvSpPr>
+          <p:nvPr>
+            <p:ph type="body"/>
+          </p:nvPr>
+        </p:nvSpPr>
+        <p:spPr>
+          <a:xfrm>
+            <a:off x="609480" y="1604520"/>
+            <a:ext cx="5354280" cy="3977280"/>
+          </a:xfrm>
+          <a:prstGeom prst="rect">
+            <a:avLst/>
+          </a:prstGeom>
+        </p:spPr>
+        <p:txBody>
+          <a:bodyPr lIns="0" rIns="0" tIns="0" bIns="0">
+            <a:normAutofit/>
+          </a:bodyPr>
+          <a:p>
+            <a:endParaRPr b="0" lang="sv-SE" sz="3200" spc="-1" strike="noStrike">
+              <a:latin typeface="Arial"/>
+            </a:endParaRPr>
+          </a:p>
+        </p:txBody>
+      </p:sp>
+      <p:sp>
+        <p:nvSpPr>
+          <p:cNvPr id="55" name="PlaceHolder 3"/>
+          <p:cNvSpPr>
+            <a:spLocks noGrp="1"/>
+          </p:cNvSpPr>
+          <p:nvPr>
+            <p:ph type="body"/>
+          </p:nvPr>
+        </p:nvSpPr>
+        <p:spPr>
+          <a:xfrm>
+            <a:off x="6231960" y="1604520"/>
+            <a:ext cx="5354280" cy="1896840"/>
+          </a:xfrm>
+          <a:prstGeom prst="rect">
+            <a:avLst/>
+          </a:prstGeom>
+        </p:spPr>
+        <p:txBody>
+          <a:bodyPr lIns="0" rIns="0" tIns="0" bIns="0">
+            <a:normAutofit/>
+          </a:bodyPr>
+          <a:p>
+            <a:endParaRPr b="0" lang="sv-SE" sz="3200" spc="-1" strike="noStrike">
+              <a:latin typeface="Arial"/>
+            </a:endParaRPr>
+          </a:p>
+        </p:txBody>
+      </p:sp>
+      <p:sp>
+        <p:nvSpPr>
+          <p:cNvPr id="56" name="PlaceHolder 4"/>
+          <p:cNvSpPr>
+            <a:spLocks noGrp="1"/>
+          </p:cNvSpPr>
+          <p:nvPr>
+            <p:ph type="body"/>
+          </p:nvPr>
+        </p:nvSpPr>
+        <p:spPr>
+          <a:xfrm>
+            <a:off x="6231960" y="3682080"/>
+            <a:ext cx="5354280" cy="1896840"/>
+          </a:xfrm>
+          <a:prstGeom prst="rect">
+            <a:avLst/>
+          </a:prstGeom>
+        </p:spPr>
+        <p:txBody>
+          <a:bodyPr lIns="0" rIns="0" tIns="0" bIns="0">
+            <a:normAutofit/>
+          </a:bodyPr>
+          <a:p>
+            <a:endParaRPr b="0" lang="sv-SE" sz="3200" spc="-1" strike="noStrike">
+              <a:latin typeface="Arial"/>
+            </a:endParaRPr>
+          </a:p>
+        </p:txBody>
+      </p:sp>
+    </p:spTree>
+  </p:cSld>
+</p:sldLayout>
+</file>
+
+<file path=ppt/slideLayouts/slideLayout21.xml><?xml version="1.0" encoding="utf-8"?>
+<p:sldLayout xmlns:a="http://schemas.openxmlformats.org/drawingml/2006/main" xmlns:p="http://schemas.openxmlformats.org/presentationml/2006/main" xmlns:r="http://schemas.openxmlformats.org/officeDocument/2006/relationships" xmlns:p14="http://schemas.microsoft.com/office/powerpoint/2010/main" xmlns:p15="http://schemas.microsoft.com/office/powerpoint/2012/main" xmlns:mc="http://schemas.openxmlformats.org/markup-compatibility/2006" type="twoObjOverTx" preserve="1">
+  <p:cSld name="Title, 2 Content over Content">
+    <p:spTree>
+      <p:nvGrpSpPr>
+        <p:cNvPr id="1" name=""/>
+        <p:cNvGrpSpPr/>
+        <p:nvPr/>
+      </p:nvGrpSpPr>
+      <p:grpSpPr>
+        <a:xfrm>
+          <a:off x="0" y="0"/>
+          <a:ext cx="0" cy="0"/>
+          <a:chOff x="0" y="0"/>
+          <a:chExt cx="0" cy="0"/>
+        </a:xfrm>
+      </p:grpSpPr>
+      <p:sp>
+        <p:nvSpPr>
+          <p:cNvPr id="57" name="PlaceHolder 1"/>
+          <p:cNvSpPr>
+            <a:spLocks noGrp="1"/>
+          </p:cNvSpPr>
+          <p:nvPr>
+            <p:ph type="title"/>
+          </p:nvPr>
+        </p:nvSpPr>
+        <p:spPr>
+          <a:xfrm>
+            <a:off x="609480" y="273600"/>
+            <a:ext cx="10972440" cy="1144800"/>
+          </a:xfrm>
+          <a:prstGeom prst="rect">
+            <a:avLst/>
+          </a:prstGeom>
+        </p:spPr>
+        <p:txBody>
+          <a:bodyPr lIns="0" rIns="0" tIns="0" bIns="0" anchor="ctr">
+            <a:noAutofit/>
+          </a:bodyPr>
+          <a:p>
+            <a:pPr algn="ctr"/>
+            <a:endParaRPr b="0" lang="sv-SE" sz="4400" spc="-1" strike="noStrike">
+              <a:latin typeface="Arial"/>
+            </a:endParaRPr>
+          </a:p>
+        </p:txBody>
+      </p:sp>
+      <p:sp>
+        <p:nvSpPr>
+          <p:cNvPr id="58" name="PlaceHolder 2"/>
+          <p:cNvSpPr>
+            <a:spLocks noGrp="1"/>
+          </p:cNvSpPr>
+          <p:nvPr>
+            <p:ph type="body"/>
+          </p:nvPr>
+        </p:nvSpPr>
+        <p:spPr>
+          <a:xfrm>
+            <a:off x="609480" y="1604520"/>
+            <a:ext cx="5354280" cy="1896840"/>
+          </a:xfrm>
+          <a:prstGeom prst="rect">
+            <a:avLst/>
+          </a:prstGeom>
+        </p:spPr>
+        <p:txBody>
+          <a:bodyPr lIns="0" rIns="0" tIns="0" bIns="0">
+            <a:normAutofit/>
+          </a:bodyPr>
+          <a:p>
+            <a:endParaRPr b="0" lang="sv-SE" sz="3200" spc="-1" strike="noStrike">
+              <a:latin typeface="Arial"/>
+            </a:endParaRPr>
+          </a:p>
+        </p:txBody>
+      </p:sp>
+      <p:sp>
+        <p:nvSpPr>
+          <p:cNvPr id="59" name="PlaceHolder 3"/>
+          <p:cNvSpPr>
+            <a:spLocks noGrp="1"/>
+          </p:cNvSpPr>
+          <p:nvPr>
+            <p:ph type="body"/>
+          </p:nvPr>
+        </p:nvSpPr>
+        <p:spPr>
+          <a:xfrm>
+            <a:off x="6231960" y="1604520"/>
+            <a:ext cx="5354280" cy="1896840"/>
+          </a:xfrm>
+          <a:prstGeom prst="rect">
+            <a:avLst/>
+          </a:prstGeom>
+        </p:spPr>
+        <p:txBody>
+          <a:bodyPr lIns="0" rIns="0" tIns="0" bIns="0">
+            <a:normAutofit/>
+          </a:bodyPr>
+          <a:p>
+            <a:endParaRPr b="0" lang="sv-SE" sz="3200" spc="-1" strike="noStrike">
+              <a:latin typeface="Arial"/>
+            </a:endParaRPr>
+          </a:p>
+        </p:txBody>
+      </p:sp>
+      <p:sp>
+        <p:nvSpPr>
+          <p:cNvPr id="60" name="PlaceHolder 4"/>
+          <p:cNvSpPr>
+            <a:spLocks noGrp="1"/>
+          </p:cNvSpPr>
+          <p:nvPr>
+            <p:ph type="body"/>
+          </p:nvPr>
+        </p:nvSpPr>
+        <p:spPr>
+          <a:xfrm>
+            <a:off x="609480" y="3682080"/>
+            <a:ext cx="10972440" cy="1896840"/>
+          </a:xfrm>
+          <a:prstGeom prst="rect">
+            <a:avLst/>
+          </a:prstGeom>
+        </p:spPr>
+        <p:txBody>
+          <a:bodyPr lIns="0" rIns="0" tIns="0" bIns="0">
+            <a:normAutofit/>
+          </a:bodyPr>
+          <a:p>
+            <a:endParaRPr b="0" lang="sv-SE" sz="3200" spc="-1" strike="noStrike">
+              <a:latin typeface="Arial"/>
+            </a:endParaRPr>
+          </a:p>
+        </p:txBody>
+      </p:sp>
+    </p:spTree>
+  </p:cSld>
+</p:sldLayout>
+</file>
+
+<file path=ppt/slideLayouts/slideLayout22.xml><?xml version="1.0" encoding="utf-8"?>
+<p:sldLayout xmlns:a="http://schemas.openxmlformats.org/drawingml/2006/main" xmlns:p="http://schemas.openxmlformats.org/presentationml/2006/main" xmlns:r="http://schemas.openxmlformats.org/officeDocument/2006/relationships" xmlns:p14="http://schemas.microsoft.com/office/powerpoint/2010/main" xmlns:p15="http://schemas.microsoft.com/office/powerpoint/2012/main" xmlns:mc="http://schemas.openxmlformats.org/markup-compatibility/2006" type="objOverTx" preserve="1">
+  <p:cSld name="Title, Content over Content">
+    <p:spTree>
+      <p:nvGrpSpPr>
+        <p:cNvPr id="1" name=""/>
+        <p:cNvGrpSpPr/>
+        <p:nvPr/>
+      </p:nvGrpSpPr>
+      <p:grpSpPr>
+        <a:xfrm>
+          <a:off x="0" y="0"/>
+          <a:ext cx="0" cy="0"/>
+          <a:chOff x="0" y="0"/>
+          <a:chExt cx="0" cy="0"/>
+        </a:xfrm>
+      </p:grpSpPr>
+      <p:sp>
+        <p:nvSpPr>
+          <p:cNvPr id="61" name="PlaceHolder 1"/>
+          <p:cNvSpPr>
+            <a:spLocks noGrp="1"/>
+          </p:cNvSpPr>
+          <p:nvPr>
+            <p:ph type="title"/>
+          </p:nvPr>
+        </p:nvSpPr>
+        <p:spPr>
+          <a:xfrm>
+            <a:off x="609480" y="273600"/>
+            <a:ext cx="10972440" cy="1144800"/>
+          </a:xfrm>
+          <a:prstGeom prst="rect">
+            <a:avLst/>
+          </a:prstGeom>
+        </p:spPr>
+        <p:txBody>
+          <a:bodyPr lIns="0" rIns="0" tIns="0" bIns="0" anchor="ctr">
+            <a:noAutofit/>
+          </a:bodyPr>
+          <a:p>
+            <a:pPr algn="ctr"/>
+            <a:endParaRPr b="0" lang="sv-SE" sz="4400" spc="-1" strike="noStrike">
+              <a:latin typeface="Arial"/>
+            </a:endParaRPr>
+          </a:p>
+        </p:txBody>
+      </p:sp>
+      <p:sp>
+        <p:nvSpPr>
+          <p:cNvPr id="62" name="PlaceHolder 2"/>
+          <p:cNvSpPr>
+            <a:spLocks noGrp="1"/>
+          </p:cNvSpPr>
+          <p:nvPr>
+            <p:ph type="body"/>
+          </p:nvPr>
+        </p:nvSpPr>
+        <p:spPr>
+          <a:xfrm>
+            <a:off x="609480" y="1604520"/>
+            <a:ext cx="10972440" cy="1896840"/>
+          </a:xfrm>
+          <a:prstGeom prst="rect">
+            <a:avLst/>
+          </a:prstGeom>
+        </p:spPr>
+        <p:txBody>
+          <a:bodyPr lIns="0" rIns="0" tIns="0" bIns="0">
+            <a:normAutofit/>
+          </a:bodyPr>
+          <a:p>
+            <a:endParaRPr b="0" lang="sv-SE" sz="3200" spc="-1" strike="noStrike">
+              <a:latin typeface="Arial"/>
+            </a:endParaRPr>
+          </a:p>
+        </p:txBody>
+      </p:sp>
+      <p:sp>
+        <p:nvSpPr>
+          <p:cNvPr id="63" name="PlaceHolder 3"/>
+          <p:cNvSpPr>
+            <a:spLocks noGrp="1"/>
+          </p:cNvSpPr>
+          <p:nvPr>
+            <p:ph type="body"/>
+          </p:nvPr>
+        </p:nvSpPr>
+        <p:spPr>
+          <a:xfrm>
+            <a:off x="609480" y="3682080"/>
+            <a:ext cx="10972440" cy="1896840"/>
+          </a:xfrm>
+          <a:prstGeom prst="rect">
+            <a:avLst/>
+          </a:prstGeom>
+        </p:spPr>
+        <p:txBody>
+          <a:bodyPr lIns="0" rIns="0" tIns="0" bIns="0">
+            <a:normAutofit/>
+          </a:bodyPr>
+          <a:p>
+            <a:endParaRPr b="0" lang="sv-SE" sz="3200" spc="-1" strike="noStrike">
+              <a:latin typeface="Arial"/>
+            </a:endParaRPr>
+          </a:p>
+        </p:txBody>
+      </p:sp>
+    </p:spTree>
+  </p:cSld>
+</p:sldLayout>
+</file>
+
+<file path=ppt/slideLayouts/slideLayout23.xml><?xml version="1.0" encoding="utf-8"?>
+<p:sldLayout xmlns:a="http://schemas.openxmlformats.org/drawingml/2006/main" xmlns:p="http://schemas.openxmlformats.org/presentationml/2006/main" xmlns:r="http://schemas.openxmlformats.org/officeDocument/2006/relationships" xmlns:p14="http://schemas.microsoft.com/office/powerpoint/2010/main" xmlns:p15="http://schemas.microsoft.com/office/powerpoint/2012/main" xmlns:mc="http://schemas.openxmlformats.org/markup-compatibility/2006" type="fourObj" preserve="1">
+  <p:cSld name="Title, 4 Content">
+    <p:spTree>
+      <p:nvGrpSpPr>
+        <p:cNvPr id="1" name=""/>
+        <p:cNvGrpSpPr/>
+        <p:nvPr/>
+      </p:nvGrpSpPr>
+      <p:grpSpPr>
+        <a:xfrm>
+          <a:off x="0" y="0"/>
+          <a:ext cx="0" cy="0"/>
+          <a:chOff x="0" y="0"/>
+          <a:chExt cx="0" cy="0"/>
+        </a:xfrm>
+      </p:grpSpPr>
+      <p:sp>
+        <p:nvSpPr>
+          <p:cNvPr id="64" name="PlaceHolder 1"/>
+          <p:cNvSpPr>
+            <a:spLocks noGrp="1"/>
+          </p:cNvSpPr>
+          <p:nvPr>
+            <p:ph type="title"/>
+          </p:nvPr>
+        </p:nvSpPr>
+        <p:spPr>
+          <a:xfrm>
+            <a:off x="609480" y="273600"/>
+            <a:ext cx="10972440" cy="1144800"/>
+          </a:xfrm>
+          <a:prstGeom prst="rect">
+            <a:avLst/>
+          </a:prstGeom>
+        </p:spPr>
+        <p:txBody>
+          <a:bodyPr lIns="0" rIns="0" tIns="0" bIns="0" anchor="ctr">
+            <a:noAutofit/>
+          </a:bodyPr>
+          <a:p>
+            <a:pPr algn="ctr"/>
+            <a:endParaRPr b="0" lang="sv-SE" sz="4400" spc="-1" strike="noStrike">
+              <a:latin typeface="Arial"/>
+            </a:endParaRPr>
+          </a:p>
+        </p:txBody>
+      </p:sp>
+      <p:sp>
+        <p:nvSpPr>
+          <p:cNvPr id="65" name="PlaceHolder 2"/>
+          <p:cNvSpPr>
+            <a:spLocks noGrp="1"/>
+          </p:cNvSpPr>
+          <p:nvPr>
+            <p:ph type="body"/>
+          </p:nvPr>
+        </p:nvSpPr>
+        <p:spPr>
+          <a:xfrm>
+            <a:off x="609480" y="1604520"/>
+            <a:ext cx="5354280" cy="1896840"/>
+          </a:xfrm>
+          <a:prstGeom prst="rect">
+            <a:avLst/>
+          </a:prstGeom>
+        </p:spPr>
+        <p:txBody>
+          <a:bodyPr lIns="0" rIns="0" tIns="0" bIns="0">
+            <a:normAutofit/>
+          </a:bodyPr>
+          <a:p>
+            <a:endParaRPr b="0" lang="sv-SE" sz="3200" spc="-1" strike="noStrike">
+              <a:latin typeface="Arial"/>
+            </a:endParaRPr>
+          </a:p>
+        </p:txBody>
+      </p:sp>
+      <p:sp>
+        <p:nvSpPr>
+          <p:cNvPr id="66" name="PlaceHolder 3"/>
+          <p:cNvSpPr>
+            <a:spLocks noGrp="1"/>
+          </p:cNvSpPr>
+          <p:nvPr>
+            <p:ph type="body"/>
+          </p:nvPr>
+        </p:nvSpPr>
+        <p:spPr>
+          <a:xfrm>
+            <a:off x="6231960" y="1604520"/>
+            <a:ext cx="5354280" cy="1896840"/>
+          </a:xfrm>
+          <a:prstGeom prst="rect">
+            <a:avLst/>
+          </a:prstGeom>
+        </p:spPr>
+        <p:txBody>
+          <a:bodyPr lIns="0" rIns="0" tIns="0" bIns="0">
+            <a:normAutofit/>
+          </a:bodyPr>
+          <a:p>
+            <a:endParaRPr b="0" lang="sv-SE" sz="3200" spc="-1" strike="noStrike">
+              <a:latin typeface="Arial"/>
+            </a:endParaRPr>
+          </a:p>
+        </p:txBody>
+      </p:sp>
+      <p:sp>
+        <p:nvSpPr>
+          <p:cNvPr id="67" name="PlaceHolder 4"/>
+          <p:cNvSpPr>
+            <a:spLocks noGrp="1"/>
+          </p:cNvSpPr>
+          <p:nvPr>
+            <p:ph type="body"/>
+          </p:nvPr>
+        </p:nvSpPr>
+        <p:spPr>
+          <a:xfrm>
+            <a:off x="609480" y="3682080"/>
+            <a:ext cx="5354280" cy="1896840"/>
+          </a:xfrm>
+          <a:prstGeom prst="rect">
+            <a:avLst/>
+          </a:prstGeom>
+        </p:spPr>
+        <p:txBody>
+          <a:bodyPr lIns="0" rIns="0" tIns="0" bIns="0">
+            <a:normAutofit/>
+          </a:bodyPr>
+          <a:p>
+            <a:endParaRPr b="0" lang="sv-SE" sz="3200" spc="-1" strike="noStrike">
+              <a:latin typeface="Arial"/>
+            </a:endParaRPr>
+          </a:p>
+        </p:txBody>
+      </p:sp>
+      <p:sp>
+        <p:nvSpPr>
+          <p:cNvPr id="68" name="PlaceHolder 5"/>
+          <p:cNvSpPr>
+            <a:spLocks noGrp="1"/>
+          </p:cNvSpPr>
+          <p:nvPr>
+            <p:ph type="body"/>
+          </p:nvPr>
+        </p:nvSpPr>
+        <p:spPr>
+          <a:xfrm>
+            <a:off x="6231960" y="3682080"/>
+            <a:ext cx="5354280" cy="1896840"/>
+          </a:xfrm>
+          <a:prstGeom prst="rect">
+            <a:avLst/>
+          </a:prstGeom>
+        </p:spPr>
+        <p:txBody>
+          <a:bodyPr lIns="0" rIns="0" tIns="0" bIns="0">
+            <a:normAutofit/>
+          </a:bodyPr>
+          <a:p>
+            <a:endParaRPr b="0" lang="sv-SE" sz="3200" spc="-1" strike="noStrike">
+              <a:latin typeface="Arial"/>
+            </a:endParaRPr>
+          </a:p>
+        </p:txBody>
+      </p:sp>
+    </p:spTree>
+  </p:cSld>
+</p:sldLayout>
+</file>
+
+<file path=ppt/slideLayouts/slideLayout24.xml><?xml version="1.0" encoding="utf-8"?>
+<p:sldLayout xmlns:a="http://schemas.openxmlformats.org/drawingml/2006/main" xmlns:p="http://schemas.openxmlformats.org/presentationml/2006/main" xmlns:r="http://schemas.openxmlformats.org/officeDocument/2006/relationships" xmlns:p14="http://schemas.microsoft.com/office/powerpoint/2010/main" xmlns:p15="http://schemas.microsoft.com/office/powerpoint/2012/main" xmlns:mc="http://schemas.openxmlformats.org/markup-compatibility/2006" type="blank" preserve="1">
+  <p:cSld name="Title, 6 Content">
+    <p:spTree>
+      <p:nvGrpSpPr>
+        <p:cNvPr id="1" name=""/>
+        <p:cNvGrpSpPr/>
+        <p:nvPr/>
+      </p:nvGrpSpPr>
+      <p:grpSpPr>
+        <a:xfrm>
+          <a:off x="0" y="0"/>
+          <a:ext cx="0" cy="0"/>
+          <a:chOff x="0" y="0"/>
+          <a:chExt cx="0" cy="0"/>
+        </a:xfrm>
+      </p:grpSpPr>
+      <p:sp>
+        <p:nvSpPr>
+          <p:cNvPr id="69" name="PlaceHolder 1"/>
+          <p:cNvSpPr>
+            <a:spLocks noGrp="1"/>
+          </p:cNvSpPr>
+          <p:nvPr>
+            <p:ph type="title"/>
+          </p:nvPr>
+        </p:nvSpPr>
+        <p:spPr>
+          <a:xfrm>
+            <a:off x="609480" y="273600"/>
+            <a:ext cx="10972440" cy="1144800"/>
+          </a:xfrm>
+          <a:prstGeom prst="rect">
+            <a:avLst/>
+          </a:prstGeom>
+        </p:spPr>
+        <p:txBody>
+          <a:bodyPr lIns="0" rIns="0" tIns="0" bIns="0" anchor="ctr">
+            <a:noAutofit/>
+          </a:bodyPr>
+          <a:p>
+            <a:pPr algn="ctr"/>
+            <a:endParaRPr b="0" lang="sv-SE" sz="4400" spc="-1" strike="noStrike">
+              <a:latin typeface="Arial"/>
+            </a:endParaRPr>
+          </a:p>
+        </p:txBody>
+      </p:sp>
+      <p:sp>
+        <p:nvSpPr>
+          <p:cNvPr id="70" name="PlaceHolder 2"/>
+          <p:cNvSpPr>
+            <a:spLocks noGrp="1"/>
+          </p:cNvSpPr>
+          <p:nvPr>
+            <p:ph type="body"/>
+          </p:nvPr>
+        </p:nvSpPr>
+        <p:spPr>
+          <a:xfrm>
+            <a:off x="609480" y="1604520"/>
+            <a:ext cx="3533040" cy="1896840"/>
+          </a:xfrm>
+          <a:prstGeom prst="rect">
+            <a:avLst/>
+          </a:prstGeom>
+        </p:spPr>
+        <p:txBody>
+          <a:bodyPr lIns="0" rIns="0" tIns="0" bIns="0">
+            <a:normAutofit/>
+          </a:bodyPr>
+          <a:p>
+            <a:endParaRPr b="0" lang="sv-SE" sz="3200" spc="-1" strike="noStrike">
+              <a:latin typeface="Arial"/>
+            </a:endParaRPr>
+          </a:p>
+        </p:txBody>
+      </p:sp>
+      <p:sp>
+        <p:nvSpPr>
+          <p:cNvPr id="71" name="PlaceHolder 3"/>
+          <p:cNvSpPr>
+            <a:spLocks noGrp="1"/>
+          </p:cNvSpPr>
+          <p:nvPr>
+            <p:ph type="body"/>
+          </p:nvPr>
+        </p:nvSpPr>
+        <p:spPr>
+          <a:xfrm>
+            <a:off x="4319640" y="1604520"/>
+            <a:ext cx="3533040" cy="1896840"/>
+          </a:xfrm>
+          <a:prstGeom prst="rect">
+            <a:avLst/>
+          </a:prstGeom>
+        </p:spPr>
+        <p:txBody>
+          <a:bodyPr lIns="0" rIns="0" tIns="0" bIns="0">
+            <a:normAutofit/>
+          </a:bodyPr>
+          <a:p>
+            <a:endParaRPr b="0" lang="sv-SE" sz="3200" spc="-1" strike="noStrike">
+              <a:latin typeface="Arial"/>
+            </a:endParaRPr>
+          </a:p>
+        </p:txBody>
+      </p:sp>
+      <p:sp>
+        <p:nvSpPr>
+          <p:cNvPr id="72" name="PlaceHolder 4"/>
+          <p:cNvSpPr>
+            <a:spLocks noGrp="1"/>
+          </p:cNvSpPr>
+          <p:nvPr>
+            <p:ph type="body"/>
+          </p:nvPr>
+        </p:nvSpPr>
+        <p:spPr>
+          <a:xfrm>
+            <a:off x="8029800" y="1604520"/>
+            <a:ext cx="3533040" cy="1896840"/>
+          </a:xfrm>
+          <a:prstGeom prst="rect">
+            <a:avLst/>
+          </a:prstGeom>
+        </p:spPr>
+        <p:txBody>
+          <a:bodyPr lIns="0" rIns="0" tIns="0" bIns="0">
+            <a:normAutofit/>
+          </a:bodyPr>
+          <a:p>
+            <a:endParaRPr b="0" lang="sv-SE" sz="3200" spc="-1" strike="noStrike">
+              <a:latin typeface="Arial"/>
+            </a:endParaRPr>
+          </a:p>
+        </p:txBody>
+      </p:sp>
+      <p:sp>
+        <p:nvSpPr>
+          <p:cNvPr id="73" name="PlaceHolder 5"/>
+          <p:cNvSpPr>
+            <a:spLocks noGrp="1"/>
+          </p:cNvSpPr>
+          <p:nvPr>
+            <p:ph type="body"/>
+          </p:nvPr>
+        </p:nvSpPr>
+        <p:spPr>
+          <a:xfrm>
+            <a:off x="609480" y="3682080"/>
+            <a:ext cx="3533040" cy="1896840"/>
+          </a:xfrm>
+          <a:prstGeom prst="rect">
+            <a:avLst/>
+          </a:prstGeom>
+        </p:spPr>
+        <p:txBody>
+          <a:bodyPr lIns="0" rIns="0" tIns="0" bIns="0">
+            <a:normAutofit/>
+          </a:bodyPr>
+          <a:p>
+            <a:endParaRPr b="0" lang="sv-SE" sz="3200" spc="-1" strike="noStrike">
+              <a:latin typeface="Arial"/>
+            </a:endParaRPr>
+          </a:p>
+        </p:txBody>
+      </p:sp>
+      <p:sp>
+        <p:nvSpPr>
+          <p:cNvPr id="74" name="PlaceHolder 6"/>
+          <p:cNvSpPr>
+            <a:spLocks noGrp="1"/>
+          </p:cNvSpPr>
+          <p:nvPr>
+            <p:ph type="body"/>
+          </p:nvPr>
+        </p:nvSpPr>
+        <p:spPr>
+          <a:xfrm>
+            <a:off x="4319640" y="3682080"/>
+            <a:ext cx="3533040" cy="1896840"/>
+          </a:xfrm>
+          <a:prstGeom prst="rect">
+            <a:avLst/>
+          </a:prstGeom>
+        </p:spPr>
+        <p:txBody>
+          <a:bodyPr lIns="0" rIns="0" tIns="0" bIns="0">
+            <a:normAutofit/>
+          </a:bodyPr>
+          <a:p>
+            <a:endParaRPr b="0" lang="sv-SE" sz="3200" spc="-1" strike="noStrike">
+              <a:latin typeface="Arial"/>
+            </a:endParaRPr>
+          </a:p>
+        </p:txBody>
+      </p:sp>
+      <p:sp>
+        <p:nvSpPr>
+          <p:cNvPr id="75" name="PlaceHolder 7"/>
+          <p:cNvSpPr>
+            <a:spLocks noGrp="1"/>
+          </p:cNvSpPr>
+          <p:nvPr>
+            <p:ph type="body"/>
+          </p:nvPr>
+        </p:nvSpPr>
+        <p:spPr>
+          <a:xfrm>
+            <a:off x="8029800" y="3682080"/>
+            <a:ext cx="3533040" cy="1896840"/>
+          </a:xfrm>
+          <a:prstGeom prst="rect">
+            <a:avLst/>
+          </a:prstGeom>
+        </p:spPr>
+        <p:txBody>
+          <a:bodyPr lIns="0" rIns="0" tIns="0" bIns="0">
+            <a:normAutofit/>
+          </a:bodyPr>
+          <a:p>
             <a:endParaRPr b="0" lang="sv-SE" sz="3200" spc="-1" strike="noStrike">
               <a:latin typeface="Arial"/>
             </a:endParaRPr>
@@ -1423,19 +2781,31 @@
               <a:rPr b="0" lang="sv-SE" sz="4400" spc="-1" strike="noStrike">
                 <a:latin typeface="Arial"/>
               </a:rPr>
-              <a:t>Click to </a:t>
+              <a:t>Click </a:t>
             </a:r>
             <a:r>
               <a:rPr b="0" lang="sv-SE" sz="4400" spc="-1" strike="noStrike">
                 <a:latin typeface="Arial"/>
               </a:rPr>
-              <a:t>edit the </a:t>
+              <a:t>to edit </a:t>
             </a:r>
             <a:r>
               <a:rPr b="0" lang="sv-SE" sz="4400" spc="-1" strike="noStrike">
                 <a:latin typeface="Arial"/>
               </a:rPr>
-              <a:t>title text </a:t>
+              <a:t>the </a:t>
+            </a:r>
+            <a:r>
+              <a:rPr b="0" lang="sv-SE" sz="4400" spc="-1" strike="noStrike">
+                <a:latin typeface="Arial"/>
+              </a:rPr>
+              <a:t>title </a:t>
+            </a:r>
+            <a:r>
+              <a:rPr b="0" lang="sv-SE" sz="4400" spc="-1" strike="noStrike">
+                <a:latin typeface="Arial"/>
+              </a:rPr>
+              <a:t>text </a:t>
             </a:r>
             <a:r>
               <a:rPr b="0" lang="sv-SE" sz="4400" spc="-1" strike="noStrike">
@@ -1644,6 +3014,266 @@
     <p:sldLayoutId id="2147483658" r:id="rId11"/>
     <p:sldLayoutId id="2147483659" r:id="rId12"/>
     <p:sldLayoutId id="2147483660" r:id="rId13"/>
+  </p:sldLayoutIdLst>
+</p:sldMaster>
+</file>
+
+<file path=ppt/slideMasters/slideMaster2.xml><?xml version="1.0" encoding="utf-8"?>
+<p:sldMaster xmlns:a="http://schemas.openxmlformats.org/drawingml/2006/main" xmlns:p="http://schemas.openxmlformats.org/presentationml/2006/main" xmlns:r="http://schemas.openxmlformats.org/officeDocument/2006/relationships" xmlns:p14="http://schemas.microsoft.com/office/powerpoint/2010/main" xmlns:p15="http://schemas.microsoft.com/office/powerpoint/2012/main" xmlns:mc="http://schemas.openxmlformats.org/markup-compatibility/2006">
+  <p:cSld>
+    <p:bg>
+      <p:bgPr>
+        <a:solidFill>
+          <a:srgbClr val="ffffff"/>
+        </a:solidFill>
+      </p:bgPr>
+    </p:bg>
+    <p:spTree>
+      <p:nvGrpSpPr>
+        <p:cNvPr id="1" name=""/>
+        <p:cNvGrpSpPr/>
+        <p:nvPr/>
+      </p:nvGrpSpPr>
+      <p:grpSpPr>
+        <a:xfrm>
+          <a:off x="0" y="0"/>
+          <a:ext cx="0" cy="0"/>
+          <a:chOff x="0" y="0"/>
+          <a:chExt cx="0" cy="0"/>
+        </a:xfrm>
+      </p:grpSpPr>
+      <p:sp>
+        <p:nvSpPr>
+          <p:cNvPr id="38" name="PlaceHolder 1"/>
+          <p:cNvSpPr>
+            <a:spLocks noGrp="1"/>
+          </p:cNvSpPr>
+          <p:nvPr>
+            <p:ph type="title"/>
+          </p:nvPr>
+        </p:nvSpPr>
+        <p:spPr>
+          <a:xfrm>
+            <a:off x="609480" y="273600"/>
+            <a:ext cx="10972440" cy="1144800"/>
+          </a:xfrm>
+          <a:prstGeom prst="rect">
+            <a:avLst/>
+          </a:prstGeom>
+        </p:spPr>
+        <p:txBody>
+          <a:bodyPr lIns="0" rIns="0" tIns="0" bIns="0" anchor="ctr">
+            <a:noAutofit/>
+          </a:bodyPr>
+          <a:p>
+            <a:pPr algn="ctr"/>
+            <a:r>
+              <a:rPr b="0" lang="sv-SE" sz="4400" spc="-1" strike="noStrike">
+                <a:latin typeface="Arial"/>
+              </a:rPr>
+              <a:t>Click to edit the title text format</a:t>
+            </a:r>
+            <a:endParaRPr b="0" lang="sv-SE" sz="4400" spc="-1" strike="noStrike">
+              <a:latin typeface="Arial"/>
+            </a:endParaRPr>
+          </a:p>
+        </p:txBody>
+      </p:sp>
+      <p:sp>
+        <p:nvSpPr>
+          <p:cNvPr id="39" name="PlaceHolder 2"/>
+          <p:cNvSpPr>
+            <a:spLocks noGrp="1"/>
+          </p:cNvSpPr>
+          <p:nvPr>
+            <p:ph type="body"/>
+          </p:nvPr>
+        </p:nvSpPr>
+        <p:spPr>
+          <a:xfrm>
+            <a:off x="609480" y="1604520"/>
+            <a:ext cx="10972440" cy="3977280"/>
+          </a:xfrm>
+          <a:prstGeom prst="rect">
+            <a:avLst/>
+          </a:prstGeom>
+        </p:spPr>
+        <p:txBody>
+          <a:bodyPr lIns="0" rIns="0" tIns="0" bIns="0">
+            <a:normAutofit/>
+          </a:bodyPr>
+          <a:p>
+            <a:pPr marL="432000" indent="-324000">
+              <a:spcBef>
+                <a:spcPts val="1417"/>
+              </a:spcBef>
+              <a:buClr>
+                <a:srgbClr val="000000"/>
+              </a:buClr>
+              <a:buSzPct val="45000"/>
+              <a:buFont typeface="Wingdings" charset="2"/>
+              <a:buChar char=""/>
+            </a:pPr>
+            <a:r>
+              <a:rPr b="0" lang="sv-SE" sz="3200" spc="-1" strike="noStrike">
+                <a:latin typeface="Arial"/>
+              </a:rPr>
+              <a:t>Click to edit the outline text format</a:t>
+            </a:r>
+            <a:endParaRPr b="0" lang="sv-SE" sz="3200" spc="-1" strike="noStrike">
+              <a:latin typeface="Arial"/>
+            </a:endParaRPr>
+          </a:p>
+          <a:p>
+            <a:pPr lvl="1" marL="864000" indent="-324000">
+              <a:spcBef>
+                <a:spcPts val="1134"/>
+              </a:spcBef>
+              <a:buClr>
+                <a:srgbClr val="000000"/>
+              </a:buClr>
+              <a:buSzPct val="75000"/>
+              <a:buFont typeface="Symbol" charset="2"/>
+              <a:buChar char=""/>
+            </a:pPr>
+            <a:r>
+              <a:rPr b="0" lang="sv-SE" sz="2800" spc="-1" strike="noStrike">
+                <a:latin typeface="Arial"/>
+              </a:rPr>
+              <a:t>Second Outline Level</a:t>
+            </a:r>
+            <a:endParaRPr b="0" lang="sv-SE" sz="2800" spc="-1" strike="noStrike">
+              <a:latin typeface="Arial"/>
+            </a:endParaRPr>
+          </a:p>
+          <a:p>
+            <a:pPr lvl="2" marL="1296000" indent="-288000">
+              <a:spcBef>
+                <a:spcPts val="850"/>
+              </a:spcBef>
+              <a:buClr>
+                <a:srgbClr val="000000"/>
+              </a:buClr>
+              <a:buSzPct val="45000"/>
+              <a:buFont typeface="Wingdings" charset="2"/>
+              <a:buChar char=""/>
+            </a:pPr>
+            <a:r>
+              <a:rPr b="0" lang="sv-SE" sz="2400" spc="-1" strike="noStrike">
+                <a:latin typeface="Arial"/>
+              </a:rPr>
+              <a:t>Third Outline Level</a:t>
+            </a:r>
+            <a:endParaRPr b="0" lang="sv-SE" sz="2400" spc="-1" strike="noStrike">
+              <a:latin typeface="Arial"/>
+            </a:endParaRPr>
+          </a:p>
+          <a:p>
+            <a:pPr lvl="3" marL="1728000" indent="-216000">
+              <a:spcBef>
+                <a:spcPts val="567"/>
+              </a:spcBef>
+              <a:buClr>
+                <a:srgbClr val="000000"/>
+              </a:buClr>
+              <a:buSzPct val="75000"/>
+              <a:buFont typeface="Symbol" charset="2"/>
+              <a:buChar char=""/>
+            </a:pPr>
+            <a:r>
+              <a:rPr b="0" lang="sv-SE" sz="2000" spc="-1" strike="noStrike">
+                <a:latin typeface="Arial"/>
+              </a:rPr>
+              <a:t>Fourth Outline Level</a:t>
+            </a:r>
+            <a:endParaRPr b="0" lang="sv-SE" sz="2000" spc="-1" strike="noStrike">
+              <a:latin typeface="Arial"/>
+            </a:endParaRPr>
+          </a:p>
+          <a:p>
+            <a:pPr lvl="4" marL="2160000" indent="-216000">
+              <a:spcBef>
+                <a:spcPts val="283"/>
+              </a:spcBef>
+              <a:buClr>
+                <a:srgbClr val="000000"/>
+              </a:buClr>
+              <a:buSzPct val="45000"/>
+              <a:buFont typeface="Wingdings" charset="2"/>
+              <a:buChar char=""/>
+            </a:pPr>
+            <a:r>
+              <a:rPr b="0" lang="sv-SE" sz="2000" spc="-1" strike="noStrike">
+                <a:latin typeface="Arial"/>
+              </a:rPr>
+              <a:t>Fifth Outline Level</a:t>
+            </a:r>
+            <a:endParaRPr b="0" lang="sv-SE" sz="2000" spc="-1" strike="noStrike">
+              <a:latin typeface="Arial"/>
+            </a:endParaRPr>
+          </a:p>
+          <a:p>
+            <a:pPr lvl="5" marL="2592000" indent="-216000">
+              <a:spcBef>
+                <a:spcPts val="283"/>
+              </a:spcBef>
+              <a:buClr>
+                <a:srgbClr val="000000"/>
+              </a:buClr>
+              <a:buSzPct val="45000"/>
+              <a:buFont typeface="Wingdings" charset="2"/>
+              <a:buChar char=""/>
+            </a:pPr>
+            <a:r>
+              <a:rPr b="0" lang="sv-SE" sz="2000" spc="-1" strike="noStrike">
+                <a:latin typeface="Arial"/>
+              </a:rPr>
+              <a:t>Sixth Outline Level</a:t>
+            </a:r>
+            <a:endParaRPr b="0" lang="sv-SE" sz="2000" spc="-1" strike="noStrike">
+              <a:latin typeface="Arial"/>
+            </a:endParaRPr>
+          </a:p>
+          <a:p>
+            <a:pPr lvl="6" marL="3024000" indent="-216000">
+              <a:spcBef>
+                <a:spcPts val="283"/>
+              </a:spcBef>
+              <a:buClr>
+                <a:srgbClr val="000000"/>
+              </a:buClr>
+              <a:buSzPct val="45000"/>
+              <a:buFont typeface="Wingdings" charset="2"/>
+              <a:buChar char=""/>
+            </a:pPr>
+            <a:r>
+              <a:rPr b="0" lang="sv-SE" sz="2000" spc="-1" strike="noStrike">
+                <a:latin typeface="Arial"/>
+              </a:rPr>
+              <a:t>Seventh Outline Level</a:t>
+            </a:r>
+            <a:endParaRPr b="0" lang="sv-SE" sz="2000" spc="-1" strike="noStrike">
+              <a:latin typeface="Arial"/>
+            </a:endParaRPr>
+          </a:p>
+        </p:txBody>
+      </p:sp>
+    </p:spTree>
+  </p:cSld>
+  <p:clrMap bg1="lt1" bg2="lt2" tx1="dk1" tx2="dk2" accent1="accent1" accent2="accent2" accent3="accent3" accent4="accent4" accent5="accent5" accent6="accent6" hlink="hlink" folHlink="folHlink"/>
+  <p:sldLayoutIdLst>
+    <p:sldLayoutId id="2147483662" r:id="rId2"/>
+    <p:sldLayoutId id="2147483663" r:id="rId3"/>
+    <p:sldLayoutId id="2147483664" r:id="rId4"/>
+    <p:sldLayoutId id="2147483665" r:id="rId5"/>
+    <p:sldLayoutId id="2147483666" r:id="rId6"/>
+    <p:sldLayoutId id="2147483667" r:id="rId7"/>
+    <p:sldLayoutId id="2147483668" r:id="rId8"/>
+    <p:sldLayoutId id="2147483669" r:id="rId9"/>
+    <p:sldLayoutId id="2147483670" r:id="rId10"/>
+    <p:sldLayoutId id="2147483671" r:id="rId11"/>
+    <p:sldLayoutId id="2147483672" r:id="rId12"/>
+    <p:sldLayoutId id="2147483673" r:id="rId13"/>
   </p:sldLayoutIdLst>
 </p:sldMaster>
 </file>
@@ -1667,14 +3297,14 @@
       </p:grpSpPr>
       <p:sp>
         <p:nvSpPr>
-          <p:cNvPr id="38" name="CustomShape 1"/>
+          <p:cNvPr id="76" name="CustomShape 1"/>
           <p:cNvSpPr/>
           <p:nvPr/>
         </p:nvSpPr>
         <p:spPr>
           <a:xfrm>
             <a:off x="3564360" y="3875400"/>
-            <a:ext cx="1510200" cy="515880"/>
+            <a:ext cx="1509840" cy="515880"/>
           </a:xfrm>
           <a:prstGeom prst="rect">
             <a:avLst/>
@@ -1718,14 +3348,14 @@
       </p:sp>
       <p:sp>
         <p:nvSpPr>
-          <p:cNvPr id="39" name="CustomShape 2"/>
+          <p:cNvPr id="77" name="CustomShape 2"/>
           <p:cNvSpPr/>
           <p:nvPr/>
         </p:nvSpPr>
         <p:spPr>
           <a:xfrm>
             <a:off x="72000" y="81000"/>
-            <a:ext cx="2232000" cy="363960"/>
+            <a:ext cx="2231640" cy="363960"/>
           </a:xfrm>
           <a:prstGeom prst="rect">
             <a:avLst/>
@@ -1771,14 +3401,14 @@
       </p:sp>
       <p:sp>
         <p:nvSpPr>
-          <p:cNvPr id="40" name="CustomShape 3"/>
+          <p:cNvPr id="78" name="CustomShape 3"/>
           <p:cNvSpPr/>
           <p:nvPr/>
         </p:nvSpPr>
         <p:spPr>
           <a:xfrm>
             <a:off x="7812000" y="1188000"/>
-            <a:ext cx="1996200" cy="987480"/>
+            <a:ext cx="1995840" cy="987120"/>
           </a:xfrm>
           <a:prstGeom prst="roundRect">
             <a:avLst>
@@ -1836,14 +3466,14 @@
       </p:sp>
       <p:sp>
         <p:nvSpPr>
-          <p:cNvPr id="41" name="CustomShape 4"/>
+          <p:cNvPr id="79" name="CustomShape 4"/>
           <p:cNvSpPr/>
           <p:nvPr/>
         </p:nvSpPr>
         <p:spPr>
           <a:xfrm>
             <a:off x="4176000" y="1512720"/>
-            <a:ext cx="3382920" cy="430200"/>
+            <a:ext cx="3382560" cy="429840"/>
           </a:xfrm>
           <a:custGeom>
             <a:avLst/>
@@ -1897,14 +3527,14 @@
       </p:sp>
       <p:sp>
         <p:nvSpPr>
-          <p:cNvPr id="42" name="CustomShape 5"/>
+          <p:cNvPr id="80" name="CustomShape 5"/>
           <p:cNvSpPr/>
           <p:nvPr/>
         </p:nvSpPr>
         <p:spPr>
           <a:xfrm>
             <a:off x="6804000" y="3875400"/>
-            <a:ext cx="1773000" cy="515880"/>
+            <a:ext cx="1772640" cy="515880"/>
           </a:xfrm>
           <a:prstGeom prst="rect">
             <a:avLst/>
@@ -1948,7 +3578,7 @@
       </p:sp>
       <p:sp>
         <p:nvSpPr>
-          <p:cNvPr id="43" name="Line 6"/>
+          <p:cNvPr id="81" name="Line 6"/>
           <p:cNvSpPr/>
           <p:nvPr/>
         </p:nvSpPr>
@@ -1976,7 +3606,7 @@
       </p:sp>
       <p:sp>
         <p:nvSpPr>
-          <p:cNvPr id="44" name="Line 7"/>
+          <p:cNvPr id="82" name="Line 7"/>
           <p:cNvSpPr/>
           <p:nvPr/>
         </p:nvSpPr>
@@ -2005,7 +3635,7 @@
       </p:sp>
       <p:sp>
         <p:nvSpPr>
-          <p:cNvPr id="45" name="Line 8"/>
+          <p:cNvPr id="83" name="Line 8"/>
           <p:cNvSpPr/>
           <p:nvPr/>
         </p:nvSpPr>
@@ -2033,14 +3663,14 @@
       </p:sp>
       <p:sp>
         <p:nvSpPr>
-          <p:cNvPr id="46" name="CustomShape 9"/>
+          <p:cNvPr id="84" name="CustomShape 9"/>
           <p:cNvSpPr/>
           <p:nvPr/>
         </p:nvSpPr>
         <p:spPr>
           <a:xfrm>
             <a:off x="8604000" y="3600000"/>
-            <a:ext cx="3105000" cy="302760"/>
+            <a:ext cx="3104640" cy="302760"/>
           </a:xfrm>
           <a:prstGeom prst="rect">
             <a:avLst/>
@@ -2084,14 +3714,14 @@
       </p:sp>
       <p:sp>
         <p:nvSpPr>
-          <p:cNvPr id="47" name="CustomShape 10"/>
+          <p:cNvPr id="85" name="CustomShape 10"/>
           <p:cNvSpPr/>
           <p:nvPr/>
         </p:nvSpPr>
         <p:spPr>
           <a:xfrm>
             <a:off x="5022360" y="4668120"/>
-            <a:ext cx="2284200" cy="1414440"/>
+            <a:ext cx="2283840" cy="1414080"/>
           </a:xfrm>
           <a:prstGeom prst="roundRect">
             <a:avLst>
@@ -2167,14 +3797,14 @@
       </p:sp>
       <p:sp>
         <p:nvSpPr>
-          <p:cNvPr id="48" name="CustomShape 11"/>
+          <p:cNvPr id="86" name="CustomShape 11"/>
           <p:cNvSpPr/>
           <p:nvPr/>
         </p:nvSpPr>
         <p:spPr>
           <a:xfrm>
             <a:off x="5022360" y="4668120"/>
-            <a:ext cx="2284200" cy="1414440"/>
+            <a:ext cx="2283840" cy="1414080"/>
           </a:xfrm>
           <a:prstGeom prst="roundRect">
             <a:avLst>
@@ -2250,14 +3880,14 @@
       </p:sp>
       <p:sp>
         <p:nvSpPr>
-          <p:cNvPr id="49" name="CustomShape 12"/>
+          <p:cNvPr id="87" name="CustomShape 12"/>
           <p:cNvSpPr/>
           <p:nvPr/>
         </p:nvSpPr>
         <p:spPr>
           <a:xfrm>
             <a:off x="1890720" y="5760000"/>
-            <a:ext cx="1996200" cy="987480"/>
+            <a:ext cx="1995840" cy="987120"/>
           </a:xfrm>
           <a:prstGeom prst="roundRect">
             <a:avLst>
@@ -2315,14 +3945,14 @@
       </p:sp>
       <p:sp>
         <p:nvSpPr>
-          <p:cNvPr id="50" name="CustomShape 13"/>
+          <p:cNvPr id="88" name="CustomShape 13"/>
           <p:cNvSpPr/>
           <p:nvPr/>
         </p:nvSpPr>
         <p:spPr>
           <a:xfrm>
             <a:off x="3276000" y="4952520"/>
-            <a:ext cx="1773000" cy="302760"/>
+            <a:ext cx="1772640" cy="302760"/>
           </a:xfrm>
           <a:prstGeom prst="rect">
             <a:avLst/>
@@ -2366,7 +3996,7 @@
       </p:sp>
       <p:sp>
         <p:nvSpPr>
-          <p:cNvPr id="51" name="Line 14"/>
+          <p:cNvPr id="89" name="Line 14"/>
           <p:cNvSpPr/>
           <p:nvPr/>
         </p:nvSpPr>
@@ -2394,7 +4024,7 @@
       </p:sp>
       <p:sp>
         <p:nvSpPr>
-          <p:cNvPr id="52" name="Line 15"/>
+          <p:cNvPr id="90" name="Line 15"/>
           <p:cNvSpPr/>
           <p:nvPr/>
         </p:nvSpPr>
@@ -2423,14 +4053,14 @@
       </p:sp>
       <p:sp>
         <p:nvSpPr>
-          <p:cNvPr id="53" name="CustomShape 16"/>
+          <p:cNvPr id="91" name="CustomShape 16"/>
           <p:cNvSpPr/>
           <p:nvPr/>
         </p:nvSpPr>
         <p:spPr>
           <a:xfrm flipH="1" rot="16305600">
-            <a:off x="1412280" y="3830040"/>
-            <a:ext cx="3122280" cy="288000"/>
+            <a:off x="1411920" y="3830040"/>
+            <a:ext cx="3121920" cy="287280"/>
           </a:xfrm>
           <a:custGeom>
             <a:avLst/>
@@ -2484,14 +4114,14 @@
       </p:sp>
       <p:sp>
         <p:nvSpPr>
-          <p:cNvPr id="54" name="CustomShape 17"/>
+          <p:cNvPr id="92" name="CustomShape 17"/>
           <p:cNvSpPr/>
           <p:nvPr/>
         </p:nvSpPr>
         <p:spPr>
           <a:xfrm>
             <a:off x="1682280" y="655920"/>
-            <a:ext cx="2284200" cy="1414440"/>
+            <a:ext cx="2283840" cy="1414080"/>
           </a:xfrm>
           <a:prstGeom prst="roundRect">
             <a:avLst>
@@ -2545,14 +4175,14 @@
       </p:sp>
       <p:sp>
         <p:nvSpPr>
-          <p:cNvPr id="55" name="CustomShape 18"/>
+          <p:cNvPr id="93" name="CustomShape 18"/>
           <p:cNvSpPr/>
           <p:nvPr/>
         </p:nvSpPr>
         <p:spPr>
           <a:xfrm>
             <a:off x="162720" y="2683440"/>
-            <a:ext cx="1060200" cy="987480"/>
+            <a:ext cx="1059840" cy="987120"/>
           </a:xfrm>
           <a:prstGeom prst="roundRect">
             <a:avLst>
@@ -2610,14 +4240,14 @@
       </p:sp>
       <p:sp>
         <p:nvSpPr>
-          <p:cNvPr id="56" name="CustomShape 19"/>
+          <p:cNvPr id="94" name="CustomShape 19"/>
           <p:cNvSpPr/>
           <p:nvPr/>
         </p:nvSpPr>
         <p:spPr>
           <a:xfrm>
             <a:off x="1368000" y="2664000"/>
-            <a:ext cx="1222920" cy="987480"/>
+            <a:ext cx="1222560" cy="987120"/>
           </a:xfrm>
           <a:prstGeom prst="roundRect">
             <a:avLst>
@@ -2675,7 +4305,7 @@
       </p:sp>
       <p:sp>
         <p:nvSpPr>
-          <p:cNvPr id="57" name="Line 20"/>
+          <p:cNvPr id="95" name="Line 20"/>
           <p:cNvSpPr/>
           <p:nvPr/>
         </p:nvSpPr>
@@ -2704,7 +4334,7 @@
       </p:sp>
       <p:sp>
         <p:nvSpPr>
-          <p:cNvPr id="58" name="Line 21"/>
+          <p:cNvPr id="96" name="Line 21"/>
           <p:cNvSpPr/>
           <p:nvPr/>
         </p:nvSpPr>
@@ -2733,14 +4363,14 @@
       </p:sp>
       <p:sp>
         <p:nvSpPr>
-          <p:cNvPr id="59" name="CustomShape 22"/>
+          <p:cNvPr id="97" name="CustomShape 22"/>
           <p:cNvSpPr/>
           <p:nvPr/>
         </p:nvSpPr>
         <p:spPr>
           <a:xfrm>
             <a:off x="5040000" y="541080"/>
-            <a:ext cx="2232000" cy="912960"/>
+            <a:ext cx="2231640" cy="912600"/>
           </a:xfrm>
           <a:prstGeom prst="rect">
             <a:avLst/>
@@ -2826,14 +4456,14 @@
       </p:sp>
       <p:sp>
         <p:nvSpPr>
-          <p:cNvPr id="60" name="CustomShape 23"/>
+          <p:cNvPr id="98" name="CustomShape 23"/>
           <p:cNvSpPr/>
           <p:nvPr/>
         </p:nvSpPr>
         <p:spPr>
           <a:xfrm>
             <a:off x="1512000" y="4329720"/>
-            <a:ext cx="1224000" cy="638280"/>
+            <a:ext cx="1223640" cy="638280"/>
           </a:xfrm>
           <a:prstGeom prst="rect">
             <a:avLst/>
@@ -2909,14 +4539,14 @@
       </p:grpSpPr>
       <p:sp>
         <p:nvSpPr>
-          <p:cNvPr id="61" name="CustomShape 1"/>
+          <p:cNvPr id="99" name="CustomShape 1"/>
           <p:cNvSpPr/>
           <p:nvPr/>
         </p:nvSpPr>
         <p:spPr>
           <a:xfrm>
             <a:off x="10584000" y="4700160"/>
-            <a:ext cx="1492920" cy="987480"/>
+            <a:ext cx="1492560" cy="987120"/>
           </a:xfrm>
           <a:prstGeom prst="roundRect">
             <a:avLst>
@@ -2974,14 +4604,14 @@
       </p:sp>
       <p:sp>
         <p:nvSpPr>
-          <p:cNvPr id="62" name="CustomShape 2"/>
+          <p:cNvPr id="100" name="CustomShape 2"/>
           <p:cNvSpPr/>
           <p:nvPr/>
         </p:nvSpPr>
         <p:spPr>
           <a:xfrm>
             <a:off x="10410840" y="4484160"/>
-            <a:ext cx="1492920" cy="987480"/>
+            <a:ext cx="1492560" cy="987120"/>
           </a:xfrm>
           <a:prstGeom prst="roundRect">
             <a:avLst>
@@ -3039,14 +4669,14 @@
       </p:sp>
       <p:sp>
         <p:nvSpPr>
-          <p:cNvPr id="63" name="CustomShape 3"/>
+          <p:cNvPr id="101" name="CustomShape 3"/>
           <p:cNvSpPr/>
           <p:nvPr/>
         </p:nvSpPr>
         <p:spPr>
           <a:xfrm>
             <a:off x="72000" y="81000"/>
-            <a:ext cx="2232000" cy="363960"/>
+            <a:ext cx="2231640" cy="363960"/>
           </a:xfrm>
           <a:prstGeom prst="rect">
             <a:avLst/>
@@ -3092,14 +4722,14 @@
       </p:sp>
       <p:sp>
         <p:nvSpPr>
-          <p:cNvPr id="64" name="CustomShape 4"/>
+          <p:cNvPr id="102" name="CustomShape 4"/>
           <p:cNvSpPr/>
           <p:nvPr/>
         </p:nvSpPr>
         <p:spPr>
           <a:xfrm>
             <a:off x="3132000" y="792000"/>
-            <a:ext cx="5327640" cy="5471640"/>
+            <a:ext cx="5327280" cy="5471280"/>
           </a:xfrm>
           <a:prstGeom prst="roundRect">
             <a:avLst>
@@ -3151,14 +4781,14 @@
       </p:sp>
       <p:sp>
         <p:nvSpPr>
-          <p:cNvPr id="65" name="CustomShape 5"/>
+          <p:cNvPr id="103" name="CustomShape 5"/>
           <p:cNvSpPr/>
           <p:nvPr/>
         </p:nvSpPr>
         <p:spPr>
           <a:xfrm>
             <a:off x="144000" y="3043800"/>
-            <a:ext cx="1492920" cy="987480"/>
+            <a:ext cx="1492560" cy="987120"/>
           </a:xfrm>
           <a:prstGeom prst="roundRect">
             <a:avLst>
@@ -3216,7 +4846,7 @@
       </p:sp>
       <p:pic>
         <p:nvPicPr>
-          <p:cNvPr id="66" name="" descr=""/>
+          <p:cNvPr id="104" name="" descr=""/>
           <p:cNvPicPr/>
           <p:nvPr/>
         </p:nvPicPr>
@@ -3229,7 +4859,7 @@
         <p:spPr>
           <a:xfrm>
             <a:off x="1548000" y="2736000"/>
-            <a:ext cx="3995640" cy="2673000"/>
+            <a:ext cx="3995280" cy="2672640"/>
           </a:xfrm>
           <a:prstGeom prst="rect">
             <a:avLst/>
@@ -3241,14 +4871,14 @@
       </p:pic>
       <p:sp>
         <p:nvSpPr>
-          <p:cNvPr id="67" name="CustomShape 6"/>
+          <p:cNvPr id="105" name="CustomShape 6"/>
           <p:cNvSpPr/>
           <p:nvPr/>
         </p:nvSpPr>
         <p:spPr>
           <a:xfrm>
             <a:off x="144360" y="4196160"/>
-            <a:ext cx="1636560" cy="987480"/>
+            <a:ext cx="1636200" cy="987120"/>
           </a:xfrm>
           <a:prstGeom prst="roundRect">
             <a:avLst>
@@ -3306,14 +4936,14 @@
       </p:sp>
       <p:sp>
         <p:nvSpPr>
-          <p:cNvPr id="68" name="CustomShape 7"/>
+          <p:cNvPr id="106" name="CustomShape 7"/>
           <p:cNvSpPr/>
           <p:nvPr/>
         </p:nvSpPr>
         <p:spPr>
           <a:xfrm>
             <a:off x="5669280" y="2520000"/>
-            <a:ext cx="2538360" cy="1512000"/>
+            <a:ext cx="2538000" cy="1511640"/>
           </a:xfrm>
           <a:prstGeom prst="rect">
             <a:avLst/>
@@ -3348,7 +4978,11 @@
             </a:pPr>
             <a:r>
               <a:rPr b="0" lang="sv-SE" sz="1800" spc="-1" strike="noStrike">
+                <a:solidFill>
+                  <a:srgbClr val="000000"/>
+                </a:solidFill>
                 <a:latin typeface="Arial"/>
+                <a:ea typeface="DejaVu Sans"/>
               </a:rPr>
               <a:t>Filtering</a:t>
             </a:r>
@@ -3364,7 +4998,11 @@
             </a:pPr>
             <a:r>
               <a:rPr b="0" lang="sv-SE" sz="1800" spc="-1" strike="noStrike">
+                <a:solidFill>
+                  <a:srgbClr val="000000"/>
+                </a:solidFill>
                 <a:latin typeface="Arial"/>
+                <a:ea typeface="DejaVu Sans"/>
               </a:rPr>
               <a:t>Data transformation</a:t>
             </a:r>
@@ -3380,7 +5018,11 @@
             </a:pPr>
             <a:r>
               <a:rPr b="0" lang="sv-SE" sz="1800" spc="-1" strike="noStrike">
+                <a:solidFill>
+                  <a:srgbClr val="000000"/>
+                </a:solidFill>
                 <a:latin typeface="Arial"/>
+                <a:ea typeface="DejaVu Sans"/>
               </a:rPr>
               <a:t>Data aggregation</a:t>
             </a:r>
@@ -3396,7 +5038,11 @@
             </a:pPr>
             <a:r>
               <a:rPr b="0" lang="sv-SE" sz="1800" spc="-1" strike="noStrike">
+                <a:solidFill>
+                  <a:srgbClr val="000000"/>
+                </a:solidFill>
                 <a:latin typeface="Arial"/>
+                <a:ea typeface="DejaVu Sans"/>
               </a:rPr>
               <a:t>(per Job)</a:t>
             </a:r>
@@ -3408,7 +5054,7 @@
       </p:sp>
       <p:pic>
         <p:nvPicPr>
-          <p:cNvPr id="69" name="" descr=""/>
+          <p:cNvPr id="107" name="" descr=""/>
           <p:cNvPicPr/>
           <p:nvPr/>
         </p:nvPicPr>
@@ -3421,7 +5067,7 @@
         <p:spPr>
           <a:xfrm>
             <a:off x="8208000" y="2880720"/>
-            <a:ext cx="1955520" cy="430920"/>
+            <a:ext cx="1955160" cy="430560"/>
           </a:xfrm>
           <a:prstGeom prst="rect">
             <a:avLst/>
@@ -3433,7 +5079,7 @@
       </p:pic>
       <p:pic>
         <p:nvPicPr>
-          <p:cNvPr id="70" name="" descr=""/>
+          <p:cNvPr id="108" name="" descr=""/>
           <p:cNvPicPr/>
           <p:nvPr/>
         </p:nvPicPr>
@@ -3446,7 +5092,7 @@
         <p:spPr>
           <a:xfrm>
             <a:off x="8268120" y="4536720"/>
-            <a:ext cx="1955520" cy="430920"/>
+            <a:ext cx="1955160" cy="430560"/>
           </a:xfrm>
           <a:prstGeom prst="rect">
             <a:avLst/>
@@ -3458,14 +5104,14 @@
       </p:pic>
       <p:sp>
         <p:nvSpPr>
-          <p:cNvPr id="71" name="CustomShape 8"/>
+          <p:cNvPr id="109" name="CustomShape 8"/>
           <p:cNvSpPr/>
           <p:nvPr/>
         </p:nvSpPr>
         <p:spPr>
           <a:xfrm>
             <a:off x="8639640" y="2443320"/>
-            <a:ext cx="2232000" cy="364320"/>
+            <a:ext cx="2231640" cy="363960"/>
           </a:xfrm>
           <a:prstGeom prst="rect">
             <a:avLst/>
@@ -3511,14 +5157,14 @@
       </p:sp>
       <p:sp>
         <p:nvSpPr>
-          <p:cNvPr id="72" name="CustomShape 9"/>
+          <p:cNvPr id="110" name="CustomShape 9"/>
           <p:cNvSpPr/>
           <p:nvPr/>
         </p:nvSpPr>
         <p:spPr>
           <a:xfrm>
             <a:off x="10152000" y="2592000"/>
-            <a:ext cx="1492920" cy="987480"/>
+            <a:ext cx="1492560" cy="987120"/>
           </a:xfrm>
           <a:prstGeom prst="roundRect">
             <a:avLst>
@@ -3596,14 +5242,14 @@
       </p:sp>
       <p:sp>
         <p:nvSpPr>
-          <p:cNvPr id="73" name="CustomShape 10"/>
+          <p:cNvPr id="111" name="CustomShape 10"/>
           <p:cNvSpPr/>
           <p:nvPr/>
         </p:nvSpPr>
         <p:spPr>
           <a:xfrm>
             <a:off x="8639640" y="4207320"/>
-            <a:ext cx="2232000" cy="364320"/>
+            <a:ext cx="2231640" cy="363960"/>
           </a:xfrm>
           <a:prstGeom prst="rect">
             <a:avLst/>
@@ -3649,14 +5295,14 @@
       </p:sp>
       <p:sp>
         <p:nvSpPr>
-          <p:cNvPr id="74" name="CustomShape 11"/>
+          <p:cNvPr id="112" name="CustomShape 11"/>
           <p:cNvSpPr/>
           <p:nvPr/>
         </p:nvSpPr>
         <p:spPr>
           <a:xfrm>
             <a:off x="10224000" y="4248000"/>
-            <a:ext cx="1492920" cy="987480"/>
+            <a:ext cx="1492560" cy="987120"/>
           </a:xfrm>
           <a:prstGeom prst="roundRect">
             <a:avLst>
@@ -3714,14 +5360,14 @@
       </p:sp>
       <p:sp>
         <p:nvSpPr>
-          <p:cNvPr id="75" name="CustomShape 12"/>
+          <p:cNvPr id="113" name="CustomShape 12"/>
           <p:cNvSpPr/>
           <p:nvPr/>
         </p:nvSpPr>
         <p:spPr>
           <a:xfrm>
             <a:off x="3671640" y="936000"/>
-            <a:ext cx="2232000" cy="363960"/>
+            <a:ext cx="2231640" cy="363960"/>
           </a:xfrm>
           <a:prstGeom prst="rect">
             <a:avLst/>
@@ -3767,14 +5413,14 @@
       </p:sp>
       <p:sp>
         <p:nvSpPr>
-          <p:cNvPr id="76" name="CustomShape 13"/>
+          <p:cNvPr id="114" name="CustomShape 13"/>
           <p:cNvSpPr/>
           <p:nvPr/>
         </p:nvSpPr>
         <p:spPr>
           <a:xfrm>
             <a:off x="5669280" y="4104000"/>
-            <a:ext cx="2538360" cy="1512000"/>
+            <a:ext cx="2538000" cy="1511640"/>
           </a:xfrm>
           <a:prstGeom prst="rect">
             <a:avLst/>
@@ -3809,7 +5455,11 @@
             </a:pPr>
             <a:r>
               <a:rPr b="0" lang="sv-SE" sz="1800" spc="-1" strike="noStrike">
+                <a:solidFill>
+                  <a:srgbClr val="000000"/>
+                </a:solidFill>
                 <a:latin typeface="Arial"/>
+                <a:ea typeface="DejaVu Sans"/>
               </a:rPr>
               <a:t>Filtering</a:t>
             </a:r>
@@ -3825,7 +5475,11 @@
             </a:pPr>
             <a:r>
               <a:rPr b="0" lang="sv-SE" sz="1800" spc="-1" strike="noStrike">
+                <a:solidFill>
+                  <a:srgbClr val="000000"/>
+                </a:solidFill>
                 <a:latin typeface="Arial"/>
+                <a:ea typeface="DejaVu Sans"/>
               </a:rPr>
               <a:t>Data transformation</a:t>
             </a:r>
@@ -3841,7 +5495,11 @@
             </a:pPr>
             <a:r>
               <a:rPr b="0" lang="sv-SE" sz="1800" spc="-1" strike="noStrike">
+                <a:solidFill>
+                  <a:srgbClr val="000000"/>
+                </a:solidFill>
                 <a:latin typeface="Arial"/>
+                <a:ea typeface="DejaVu Sans"/>
               </a:rPr>
               <a:t>Data aggregation</a:t>
             </a:r>
@@ -3857,7 +5515,11 @@
             </a:pPr>
             <a:r>
               <a:rPr b="0" lang="sv-SE" sz="1800" spc="-1" strike="noStrike">
+                <a:solidFill>
+                  <a:srgbClr val="000000"/>
+                </a:solidFill>
                 <a:latin typeface="Arial"/>
+                <a:ea typeface="DejaVu Sans"/>
               </a:rPr>
               <a:t>(per Job)</a:t>
             </a:r>
@@ -3901,6 +5563,1767 @@
           <a:chExt cx="0" cy="0"/>
         </a:xfrm>
       </p:grpSpPr>
+      <p:sp>
+        <p:nvSpPr>
+          <p:cNvPr id="115" name="CustomShape 1"/>
+          <p:cNvSpPr/>
+          <p:nvPr/>
+        </p:nvSpPr>
+        <p:spPr>
+          <a:xfrm>
+            <a:off x="9631080" y="271800"/>
+            <a:ext cx="1994400" cy="985680"/>
+          </a:xfrm>
+          <a:prstGeom prst="roundRect">
+            <a:avLst>
+              <a:gd name="adj" fmla="val 16667"/>
+            </a:avLst>
+          </a:prstGeom>
+          <a:solidFill>
+            <a:srgbClr val="7030a0"/>
+          </a:solidFill>
+          <a:ln>
+            <a:solidFill>
+              <a:srgbClr val="7030a0"/>
+            </a:solidFill>
+          </a:ln>
+        </p:spPr>
+        <p:style>
+          <a:lnRef idx="2">
+            <a:schemeClr val="accent1">
+              <a:shade val="50000"/>
+            </a:schemeClr>
+          </a:lnRef>
+          <a:fillRef idx="1">
+            <a:schemeClr val="accent1"/>
+          </a:fillRef>
+          <a:effectRef idx="0">
+            <a:schemeClr val="accent1"/>
+          </a:effectRef>
+          <a:fontRef idx="minor"/>
+        </p:style>
+        <p:txBody>
+          <a:bodyPr lIns="90000" rIns="90000" tIns="45000" bIns="45000" anchor="ctr">
+            <a:noAutofit/>
+          </a:bodyPr>
+          <a:p>
+            <a:pPr algn="ctr">
+              <a:lnSpc>
+                <a:spcPct val="100000"/>
+              </a:lnSpc>
+            </a:pPr>
+            <a:r>
+              <a:rPr b="0" lang="sv-SE" sz="1800" spc="-1" strike="noStrike">
+                <a:solidFill>
+                  <a:srgbClr val="ffffff"/>
+                </a:solidFill>
+                <a:latin typeface="Calibri"/>
+                <a:ea typeface="DejaVu Sans"/>
+              </a:rPr>
+              <a:t>PM Data Consumer</a:t>
+            </a:r>
+            <a:endParaRPr b="0" lang="sv-SE" sz="1800" spc="-1" strike="noStrike">
+              <a:latin typeface="Arial"/>
+            </a:endParaRPr>
+          </a:p>
+        </p:txBody>
+      </p:sp>
+      <p:sp>
+        <p:nvSpPr>
+          <p:cNvPr id="116" name="CustomShape 2"/>
+          <p:cNvSpPr/>
+          <p:nvPr/>
+        </p:nvSpPr>
+        <p:spPr>
+          <a:xfrm>
+            <a:off x="2844000" y="127800"/>
+            <a:ext cx="4101480" cy="4657680"/>
+          </a:xfrm>
+          <a:prstGeom prst="roundRect">
+            <a:avLst>
+              <a:gd name="adj" fmla="val 16667"/>
+            </a:avLst>
+          </a:prstGeom>
+          <a:solidFill>
+            <a:srgbClr val="7030a0"/>
+          </a:solidFill>
+          <a:ln>
+            <a:solidFill>
+              <a:srgbClr val="7030a0"/>
+            </a:solidFill>
+          </a:ln>
+        </p:spPr>
+        <p:style>
+          <a:lnRef idx="2">
+            <a:schemeClr val="accent1">
+              <a:shade val="50000"/>
+            </a:schemeClr>
+          </a:lnRef>
+          <a:fillRef idx="1">
+            <a:schemeClr val="accent1"/>
+          </a:fillRef>
+          <a:effectRef idx="0">
+            <a:schemeClr val="accent1"/>
+          </a:effectRef>
+          <a:fontRef idx="minor"/>
+        </p:style>
+      </p:sp>
+      <p:sp>
+        <p:nvSpPr>
+          <p:cNvPr id="117" name="CustomShape 3"/>
+          <p:cNvSpPr/>
+          <p:nvPr/>
+        </p:nvSpPr>
+        <p:spPr>
+          <a:xfrm>
+            <a:off x="9775080" y="1927800"/>
+            <a:ext cx="1994400" cy="985680"/>
+          </a:xfrm>
+          <a:prstGeom prst="roundRect">
+            <a:avLst>
+              <a:gd name="adj" fmla="val 16667"/>
+            </a:avLst>
+          </a:prstGeom>
+          <a:solidFill>
+            <a:srgbClr val="7030a0"/>
+          </a:solidFill>
+          <a:ln>
+            <a:solidFill>
+              <a:srgbClr val="7030a0"/>
+            </a:solidFill>
+          </a:ln>
+        </p:spPr>
+        <p:style>
+          <a:lnRef idx="2">
+            <a:schemeClr val="accent1">
+              <a:shade val="50000"/>
+            </a:schemeClr>
+          </a:lnRef>
+          <a:fillRef idx="1">
+            <a:schemeClr val="accent1"/>
+          </a:fillRef>
+          <a:effectRef idx="0">
+            <a:schemeClr val="accent1"/>
+          </a:effectRef>
+          <a:fontRef idx="minor"/>
+        </p:style>
+        <p:txBody>
+          <a:bodyPr lIns="90000" rIns="90000" tIns="45000" bIns="45000" anchor="ctr">
+            <a:noAutofit/>
+          </a:bodyPr>
+          <a:p>
+            <a:pPr algn="ctr">
+              <a:lnSpc>
+                <a:spcPct val="100000"/>
+              </a:lnSpc>
+            </a:pPr>
+            <a:r>
+              <a:rPr b="0" lang="sv-SE" sz="1800" spc="-1" strike="noStrike">
+                <a:solidFill>
+                  <a:srgbClr val="ffffff"/>
+                </a:solidFill>
+                <a:latin typeface="Calibri"/>
+                <a:ea typeface="DejaVu Sans"/>
+              </a:rPr>
+              <a:t>PM Data Consumer</a:t>
+            </a:r>
+            <a:endParaRPr b="0" lang="sv-SE" sz="1800" spc="-1" strike="noStrike">
+              <a:latin typeface="Arial"/>
+            </a:endParaRPr>
+          </a:p>
+        </p:txBody>
+      </p:sp>
+      <p:sp>
+        <p:nvSpPr>
+          <p:cNvPr id="118" name="CustomShape 4"/>
+          <p:cNvSpPr/>
+          <p:nvPr/>
+        </p:nvSpPr>
+        <p:spPr>
+          <a:xfrm>
+            <a:off x="9703080" y="3511800"/>
+            <a:ext cx="1994400" cy="985680"/>
+          </a:xfrm>
+          <a:prstGeom prst="roundRect">
+            <a:avLst>
+              <a:gd name="adj" fmla="val 16667"/>
+            </a:avLst>
+          </a:prstGeom>
+          <a:solidFill>
+            <a:srgbClr val="7030a0"/>
+          </a:solidFill>
+          <a:ln>
+            <a:solidFill>
+              <a:srgbClr val="7030a0"/>
+            </a:solidFill>
+          </a:ln>
+        </p:spPr>
+        <p:style>
+          <a:lnRef idx="2">
+            <a:schemeClr val="accent1">
+              <a:shade val="50000"/>
+            </a:schemeClr>
+          </a:lnRef>
+          <a:fillRef idx="1">
+            <a:schemeClr val="accent1"/>
+          </a:fillRef>
+          <a:effectRef idx="0">
+            <a:schemeClr val="accent1"/>
+          </a:effectRef>
+          <a:fontRef idx="minor"/>
+        </p:style>
+        <p:txBody>
+          <a:bodyPr lIns="90000" rIns="90000" tIns="45000" bIns="45000" anchor="ctr">
+            <a:noAutofit/>
+          </a:bodyPr>
+          <a:p>
+            <a:pPr algn="ctr">
+              <a:lnSpc>
+                <a:spcPct val="100000"/>
+              </a:lnSpc>
+            </a:pPr>
+            <a:r>
+              <a:rPr b="0" lang="sv-SE" sz="1800" spc="-1" strike="noStrike">
+                <a:solidFill>
+                  <a:srgbClr val="ffffff"/>
+                </a:solidFill>
+                <a:latin typeface="Calibri"/>
+                <a:ea typeface="DejaVu Sans"/>
+              </a:rPr>
+              <a:t>PM Data Consumer</a:t>
+            </a:r>
+            <a:endParaRPr b="0" lang="sv-SE" sz="1800" spc="-1" strike="noStrike">
+              <a:latin typeface="Arial"/>
+            </a:endParaRPr>
+          </a:p>
+        </p:txBody>
+      </p:sp>
+      <p:sp>
+        <p:nvSpPr>
+          <p:cNvPr id="119" name="CustomShape 5"/>
+          <p:cNvSpPr/>
+          <p:nvPr/>
+        </p:nvSpPr>
+        <p:spPr>
+          <a:xfrm>
+            <a:off x="7650360" y="180000"/>
+            <a:ext cx="1455120" cy="1182960"/>
+          </a:xfrm>
+          <a:prstGeom prst="rect">
+            <a:avLst/>
+          </a:prstGeom>
+          <a:blipFill rotWithShape="0">
+            <a:blip r:embed="rId1"/>
+            <a:stretch>
+              <a:fillRect/>
+            </a:stretch>
+          </a:blipFill>
+          <a:ln>
+            <a:noFill/>
+          </a:ln>
+        </p:spPr>
+        <p:style>
+          <a:lnRef idx="0"/>
+          <a:fillRef idx="0"/>
+          <a:effectRef idx="0"/>
+          <a:fontRef idx="minor"/>
+        </p:style>
+        <p:txBody>
+          <a:bodyPr lIns="0" rIns="0" tIns="45000" bIns="45000" anchor="ctr" anchorCtr="1">
+            <a:noAutofit/>
+          </a:bodyPr>
+          <a:p>
+            <a:pPr algn="ctr">
+              <a:lnSpc>
+                <a:spcPct val="100000"/>
+              </a:lnSpc>
+            </a:pPr>
+            <a:r>
+              <a:rPr b="0" lang="sv-SE" sz="1800" spc="-1" strike="noStrike">
+                <a:solidFill>
+                  <a:srgbClr val="000000"/>
+                </a:solidFill>
+                <a:latin typeface="Arial"/>
+                <a:ea typeface="DejaVu Sans"/>
+              </a:rPr>
+              <a:t>Topic A</a:t>
+            </a:r>
+            <a:endParaRPr b="0" lang="sv-SE" sz="1800" spc="-1" strike="noStrike">
+              <a:latin typeface="Arial"/>
+            </a:endParaRPr>
+          </a:p>
+        </p:txBody>
+      </p:sp>
+      <p:sp>
+        <p:nvSpPr>
+          <p:cNvPr id="120" name="CustomShape 6"/>
+          <p:cNvSpPr/>
+          <p:nvPr/>
+        </p:nvSpPr>
+        <p:spPr>
+          <a:xfrm>
+            <a:off x="7578360" y="1764000"/>
+            <a:ext cx="1455120" cy="1182960"/>
+          </a:xfrm>
+          <a:prstGeom prst="rect">
+            <a:avLst/>
+          </a:prstGeom>
+          <a:blipFill rotWithShape="0">
+            <a:blip r:embed="rId2"/>
+            <a:stretch>
+              <a:fillRect/>
+            </a:stretch>
+          </a:blipFill>
+          <a:ln>
+            <a:noFill/>
+          </a:ln>
+        </p:spPr>
+        <p:style>
+          <a:lnRef idx="0"/>
+          <a:fillRef idx="0"/>
+          <a:effectRef idx="0"/>
+          <a:fontRef idx="minor"/>
+        </p:style>
+        <p:txBody>
+          <a:bodyPr lIns="0" rIns="0" tIns="45000" bIns="45000" anchor="ctr" anchorCtr="1">
+            <a:noAutofit/>
+          </a:bodyPr>
+          <a:p>
+            <a:pPr algn="ctr">
+              <a:lnSpc>
+                <a:spcPct val="100000"/>
+              </a:lnSpc>
+            </a:pPr>
+            <a:r>
+              <a:rPr b="0" lang="sv-SE" sz="1800" spc="-1" strike="noStrike">
+                <a:solidFill>
+                  <a:srgbClr val="000000"/>
+                </a:solidFill>
+                <a:latin typeface="Arial"/>
+                <a:ea typeface="DejaVu Sans"/>
+              </a:rPr>
+              <a:t>Topic C</a:t>
+            </a:r>
+            <a:endParaRPr b="0" lang="sv-SE" sz="1800" spc="-1" strike="noStrike">
+              <a:latin typeface="Arial"/>
+            </a:endParaRPr>
+          </a:p>
+        </p:txBody>
+      </p:sp>
+      <p:sp>
+        <p:nvSpPr>
+          <p:cNvPr id="121" name="CustomShape 7"/>
+          <p:cNvSpPr/>
+          <p:nvPr/>
+        </p:nvSpPr>
+        <p:spPr>
+          <a:xfrm>
+            <a:off x="7614720" y="3420360"/>
+            <a:ext cx="1455120" cy="1182960"/>
+          </a:xfrm>
+          <a:prstGeom prst="rect">
+            <a:avLst/>
+          </a:prstGeom>
+          <a:blipFill rotWithShape="0">
+            <a:blip r:embed="rId3"/>
+            <a:stretch>
+              <a:fillRect/>
+            </a:stretch>
+          </a:blipFill>
+          <a:ln>
+            <a:noFill/>
+          </a:ln>
+        </p:spPr>
+        <p:style>
+          <a:lnRef idx="0"/>
+          <a:fillRef idx="0"/>
+          <a:effectRef idx="0"/>
+          <a:fontRef idx="minor"/>
+        </p:style>
+        <p:txBody>
+          <a:bodyPr lIns="0" rIns="0" tIns="45000" bIns="45000" anchor="ctr" anchorCtr="1">
+            <a:noAutofit/>
+          </a:bodyPr>
+          <a:p>
+            <a:pPr algn="ctr">
+              <a:lnSpc>
+                <a:spcPct val="100000"/>
+              </a:lnSpc>
+            </a:pPr>
+            <a:r>
+              <a:rPr b="0" lang="sv-SE" sz="1800" spc="-1" strike="noStrike">
+                <a:solidFill>
+                  <a:srgbClr val="000000"/>
+                </a:solidFill>
+                <a:latin typeface="Arial"/>
+                <a:ea typeface="DejaVu Sans"/>
+              </a:rPr>
+              <a:t>Topic C</a:t>
+            </a:r>
+            <a:endParaRPr b="0" lang="sv-SE" sz="1800" spc="-1" strike="noStrike">
+              <a:latin typeface="Arial"/>
+            </a:endParaRPr>
+          </a:p>
+        </p:txBody>
+      </p:sp>
+      <p:sp>
+        <p:nvSpPr>
+          <p:cNvPr id="122" name="CustomShape 8"/>
+          <p:cNvSpPr/>
+          <p:nvPr/>
+        </p:nvSpPr>
+        <p:spPr>
+          <a:xfrm>
+            <a:off x="5195880" y="191880"/>
+            <a:ext cx="1461600" cy="1425600"/>
+          </a:xfrm>
+          <a:prstGeom prst="rect">
+            <a:avLst/>
+          </a:prstGeom>
+          <a:blipFill rotWithShape="0">
+            <a:blip r:embed="rId4"/>
+            <a:stretch>
+              <a:fillRect/>
+            </a:stretch>
+          </a:blipFill>
+          <a:ln>
+            <a:noFill/>
+          </a:ln>
+        </p:spPr>
+        <p:style>
+          <a:lnRef idx="0"/>
+          <a:fillRef idx="0"/>
+          <a:effectRef idx="0"/>
+          <a:fontRef idx="minor"/>
+        </p:style>
+        <p:txBody>
+          <a:bodyPr lIns="0" rIns="0" tIns="45000" bIns="45000" anchor="ctr" anchorCtr="1">
+            <a:noAutofit/>
+          </a:bodyPr>
+          <a:p>
+            <a:pPr algn="ctr">
+              <a:lnSpc>
+                <a:spcPct val="100000"/>
+              </a:lnSpc>
+            </a:pPr>
+            <a:r>
+              <a:rPr b="0" lang="sv-SE" sz="1800" spc="-1" strike="noStrike">
+                <a:solidFill>
+                  <a:srgbClr val="000000"/>
+                </a:solidFill>
+                <a:latin typeface="Arial"/>
+                <a:ea typeface="DejaVu Sans"/>
+              </a:rPr>
+              <a:t>Job 1</a:t>
+            </a:r>
+            <a:endParaRPr b="0" lang="sv-SE" sz="1800" spc="-1" strike="noStrike">
+              <a:latin typeface="Arial"/>
+            </a:endParaRPr>
+          </a:p>
+        </p:txBody>
+      </p:sp>
+      <p:sp>
+        <p:nvSpPr>
+          <p:cNvPr id="123" name="CustomShape 9"/>
+          <p:cNvSpPr/>
+          <p:nvPr/>
+        </p:nvSpPr>
+        <p:spPr>
+          <a:xfrm>
+            <a:off x="5220000" y="1703880"/>
+            <a:ext cx="1461600" cy="1425600"/>
+          </a:xfrm>
+          <a:prstGeom prst="rect">
+            <a:avLst/>
+          </a:prstGeom>
+          <a:blipFill rotWithShape="0">
+            <a:blip r:embed="rId5"/>
+            <a:stretch>
+              <a:fillRect/>
+            </a:stretch>
+          </a:blipFill>
+          <a:ln>
+            <a:noFill/>
+          </a:ln>
+        </p:spPr>
+        <p:style>
+          <a:lnRef idx="0"/>
+          <a:fillRef idx="0"/>
+          <a:effectRef idx="0"/>
+          <a:fontRef idx="minor"/>
+        </p:style>
+        <p:txBody>
+          <a:bodyPr lIns="0" rIns="0" tIns="45000" bIns="45000" anchor="ctr" anchorCtr="1">
+            <a:noAutofit/>
+          </a:bodyPr>
+          <a:p>
+            <a:pPr algn="ctr">
+              <a:lnSpc>
+                <a:spcPct val="100000"/>
+              </a:lnSpc>
+            </a:pPr>
+            <a:r>
+              <a:rPr b="0" lang="sv-SE" sz="1800" spc="-1" strike="noStrike">
+                <a:solidFill>
+                  <a:srgbClr val="000000"/>
+                </a:solidFill>
+                <a:latin typeface="Arial"/>
+                <a:ea typeface="DejaVu Sans"/>
+              </a:rPr>
+              <a:t>Job 2</a:t>
+            </a:r>
+            <a:endParaRPr b="0" lang="sv-SE" sz="1800" spc="-1" strike="noStrike">
+              <a:latin typeface="Arial"/>
+            </a:endParaRPr>
+          </a:p>
+        </p:txBody>
+      </p:sp>
+      <p:sp>
+        <p:nvSpPr>
+          <p:cNvPr id="124" name="CustomShape 10"/>
+          <p:cNvSpPr/>
+          <p:nvPr/>
+        </p:nvSpPr>
+        <p:spPr>
+          <a:xfrm>
+            <a:off x="5231880" y="3096000"/>
+            <a:ext cx="1461600" cy="1425600"/>
+          </a:xfrm>
+          <a:prstGeom prst="rect">
+            <a:avLst/>
+          </a:prstGeom>
+          <a:blipFill rotWithShape="0">
+            <a:blip r:embed="rId6"/>
+            <a:stretch>
+              <a:fillRect/>
+            </a:stretch>
+          </a:blipFill>
+          <a:ln>
+            <a:noFill/>
+          </a:ln>
+        </p:spPr>
+        <p:style>
+          <a:lnRef idx="0"/>
+          <a:fillRef idx="0"/>
+          <a:effectRef idx="0"/>
+          <a:fontRef idx="minor"/>
+        </p:style>
+        <p:txBody>
+          <a:bodyPr lIns="0" rIns="0" tIns="45000" bIns="45000" anchor="ctr" anchorCtr="1">
+            <a:noAutofit/>
+          </a:bodyPr>
+          <a:p>
+            <a:pPr algn="ctr">
+              <a:lnSpc>
+                <a:spcPct val="100000"/>
+              </a:lnSpc>
+            </a:pPr>
+            <a:r>
+              <a:rPr b="0" lang="sv-SE" sz="1800" spc="-1" strike="noStrike">
+                <a:solidFill>
+                  <a:srgbClr val="000000"/>
+                </a:solidFill>
+                <a:latin typeface="Arial"/>
+                <a:ea typeface="DejaVu Sans"/>
+              </a:rPr>
+              <a:t>Job 3</a:t>
+            </a:r>
+            <a:endParaRPr b="0" lang="sv-SE" sz="1800" spc="-1" strike="noStrike">
+              <a:latin typeface="Arial"/>
+            </a:endParaRPr>
+          </a:p>
+        </p:txBody>
+      </p:sp>
+      <p:sp>
+        <p:nvSpPr>
+          <p:cNvPr id="125" name="CustomShape 11"/>
+          <p:cNvSpPr/>
+          <p:nvPr/>
+        </p:nvSpPr>
+        <p:spPr>
+          <a:xfrm>
+            <a:off x="2969280" y="2844000"/>
+            <a:ext cx="2032200" cy="1725480"/>
+          </a:xfrm>
+          <a:prstGeom prst="rect">
+            <a:avLst/>
+          </a:prstGeom>
+          <a:blipFill rotWithShape="0">
+            <a:blip r:embed="rId7"/>
+            <a:stretch>
+              <a:fillRect/>
+            </a:stretch>
+          </a:blipFill>
+          <a:ln>
+            <a:noFill/>
+          </a:ln>
+        </p:spPr>
+        <p:style>
+          <a:lnRef idx="0"/>
+          <a:fillRef idx="0"/>
+          <a:effectRef idx="0"/>
+          <a:fontRef idx="minor"/>
+        </p:style>
+        <p:txBody>
+          <a:bodyPr lIns="0" rIns="0" tIns="45000" bIns="45000" anchor="ctr" anchorCtr="1">
+            <a:noAutofit/>
+          </a:bodyPr>
+          <a:p>
+            <a:pPr algn="ctr">
+              <a:lnSpc>
+                <a:spcPct val="100000"/>
+              </a:lnSpc>
+            </a:pPr>
+            <a:r>
+              <a:rPr b="0" lang="sv-SE" sz="1800" spc="-1" strike="noStrike">
+                <a:solidFill>
+                  <a:srgbClr val="000000"/>
+                </a:solidFill>
+                <a:latin typeface="Arial"/>
+                <a:ea typeface="DejaVu Sans"/>
+              </a:rPr>
+              <a:t>ROP File Data</a:t>
+            </a:r>
+            <a:endParaRPr b="0" lang="sv-SE" sz="1800" spc="-1" strike="noStrike">
+              <a:latin typeface="Arial"/>
+            </a:endParaRPr>
+          </a:p>
+        </p:txBody>
+      </p:sp>
+      <p:sp>
+        <p:nvSpPr>
+          <p:cNvPr id="126" name="CustomShape 12"/>
+          <p:cNvSpPr/>
+          <p:nvPr/>
+        </p:nvSpPr>
+        <p:spPr>
+          <a:xfrm>
+            <a:off x="10063080" y="4303800"/>
+            <a:ext cx="1994400" cy="985680"/>
+          </a:xfrm>
+          <a:prstGeom prst="roundRect">
+            <a:avLst>
+              <a:gd name="adj" fmla="val 16667"/>
+            </a:avLst>
+          </a:prstGeom>
+          <a:solidFill>
+            <a:srgbClr val="7030a0"/>
+          </a:solidFill>
+          <a:ln>
+            <a:solidFill>
+              <a:srgbClr val="7030a0"/>
+            </a:solidFill>
+          </a:ln>
+        </p:spPr>
+        <p:style>
+          <a:lnRef idx="2">
+            <a:schemeClr val="accent1">
+              <a:shade val="50000"/>
+            </a:schemeClr>
+          </a:lnRef>
+          <a:fillRef idx="1">
+            <a:schemeClr val="accent1"/>
+          </a:fillRef>
+          <a:effectRef idx="0">
+            <a:schemeClr val="accent1"/>
+          </a:effectRef>
+          <a:fontRef idx="minor"/>
+        </p:style>
+        <p:txBody>
+          <a:bodyPr lIns="90000" rIns="90000" tIns="45000" bIns="45000" anchor="ctr">
+            <a:noAutofit/>
+          </a:bodyPr>
+          <a:p>
+            <a:pPr algn="ctr">
+              <a:lnSpc>
+                <a:spcPct val="100000"/>
+              </a:lnSpc>
+            </a:pPr>
+            <a:r>
+              <a:rPr b="0" lang="sv-SE" sz="1800" spc="-1" strike="noStrike">
+                <a:solidFill>
+                  <a:srgbClr val="ffffff"/>
+                </a:solidFill>
+                <a:latin typeface="Calibri"/>
+                <a:ea typeface="DejaVu Sans"/>
+              </a:rPr>
+              <a:t>PM Data Consumer</a:t>
+            </a:r>
+            <a:endParaRPr b="0" lang="sv-SE" sz="1800" spc="-1" strike="noStrike">
+              <a:latin typeface="Arial"/>
+            </a:endParaRPr>
+          </a:p>
+        </p:txBody>
+      </p:sp>
+      <p:sp>
+        <p:nvSpPr>
+          <p:cNvPr id="127" name="CustomShape 13"/>
+          <p:cNvSpPr/>
+          <p:nvPr/>
+        </p:nvSpPr>
+        <p:spPr>
+          <a:xfrm>
+            <a:off x="2089800" y="6048000"/>
+            <a:ext cx="5325480" cy="458640"/>
+          </a:xfrm>
+          <a:prstGeom prst="roundRect">
+            <a:avLst>
+              <a:gd name="adj" fmla="val 16667"/>
+            </a:avLst>
+          </a:prstGeom>
+          <a:solidFill>
+            <a:srgbClr val="2a6099"/>
+          </a:solidFill>
+          <a:ln/>
+        </p:spPr>
+        <p:style>
+          <a:lnRef idx="2">
+            <a:schemeClr val="accent1">
+              <a:shade val="50000"/>
+            </a:schemeClr>
+          </a:lnRef>
+          <a:fillRef idx="1">
+            <a:schemeClr val="accent1"/>
+          </a:fillRef>
+          <a:effectRef idx="0">
+            <a:schemeClr val="accent1"/>
+          </a:effectRef>
+          <a:fontRef idx="minor"/>
+        </p:style>
+        <p:txBody>
+          <a:bodyPr lIns="90000" rIns="90000" tIns="45000" bIns="45000" anchor="ctr">
+            <a:noAutofit/>
+          </a:bodyPr>
+          <a:p>
+            <a:pPr algn="ctr">
+              <a:lnSpc>
+                <a:spcPct val="100000"/>
+              </a:lnSpc>
+            </a:pPr>
+            <a:r>
+              <a:rPr b="0" lang="sv-SE" sz="1800" spc="-1" strike="noStrike">
+                <a:solidFill>
+                  <a:srgbClr val="000000"/>
+                </a:solidFill>
+                <a:latin typeface="Arial"/>
+                <a:ea typeface="DejaVu Sans"/>
+              </a:rPr>
+              <a:t>PM Files Data Store</a:t>
+            </a:r>
+            <a:endParaRPr b="0" lang="sv-SE" sz="1800" spc="-1" strike="noStrike">
+              <a:latin typeface="Arial"/>
+            </a:endParaRPr>
+          </a:p>
+        </p:txBody>
+      </p:sp>
+      <p:sp>
+        <p:nvSpPr>
+          <p:cNvPr id="128" name="CustomShape 14"/>
+          <p:cNvSpPr/>
+          <p:nvPr/>
+        </p:nvSpPr>
+        <p:spPr>
+          <a:xfrm>
+            <a:off x="414360" y="1764000"/>
+            <a:ext cx="1455120" cy="1182960"/>
+          </a:xfrm>
+          <a:prstGeom prst="rect">
+            <a:avLst/>
+          </a:prstGeom>
+          <a:blipFill rotWithShape="0">
+            <a:blip r:embed="rId8"/>
+            <a:stretch>
+              <a:fillRect/>
+            </a:stretch>
+          </a:blipFill>
+          <a:ln>
+            <a:noFill/>
+          </a:ln>
+        </p:spPr>
+        <p:style>
+          <a:lnRef idx="0"/>
+          <a:fillRef idx="0"/>
+          <a:effectRef idx="0"/>
+          <a:fontRef idx="minor"/>
+        </p:style>
+        <p:txBody>
+          <a:bodyPr lIns="0" rIns="0" tIns="45000" bIns="45000" anchor="ctr" anchorCtr="1">
+            <a:noAutofit/>
+          </a:bodyPr>
+          <a:p>
+            <a:pPr algn="ctr">
+              <a:lnSpc>
+                <a:spcPct val="100000"/>
+              </a:lnSpc>
+            </a:pPr>
+            <a:r>
+              <a:rPr b="0" lang="sv-SE" sz="1800" spc="-1" strike="noStrike">
+                <a:solidFill>
+                  <a:srgbClr val="000000"/>
+                </a:solidFill>
+                <a:latin typeface="Arial"/>
+                <a:ea typeface="DejaVu Sans"/>
+              </a:rPr>
+              <a:t>File Ready</a:t>
+            </a:r>
+            <a:endParaRPr b="0" lang="sv-SE" sz="1800" spc="-1" strike="noStrike">
+              <a:latin typeface="Arial"/>
+            </a:endParaRPr>
+          </a:p>
+        </p:txBody>
+      </p:sp>
+      <p:pic>
+        <p:nvPicPr>
+          <p:cNvPr id="129" name="" descr=""/>
+          <p:cNvPicPr/>
+          <p:nvPr/>
+        </p:nvPicPr>
+        <p:blipFill>
+          <a:blip r:embed="rId9"/>
+          <a:stretch/>
+        </p:blipFill>
+        <p:spPr>
+          <a:xfrm>
+            <a:off x="3454920" y="4680000"/>
+            <a:ext cx="756360" cy="1367280"/>
+          </a:xfrm>
+          <a:prstGeom prst="rect">
+            <a:avLst/>
+          </a:prstGeom>
+          <a:ln>
+            <a:noFill/>
+          </a:ln>
+        </p:spPr>
+      </p:pic>
+      <p:sp>
+        <p:nvSpPr>
+          <p:cNvPr id="130" name="TextShape 15"/>
+          <p:cNvSpPr txBox="1"/>
+          <p:nvPr/>
+        </p:nvSpPr>
+        <p:spPr>
+          <a:xfrm>
+            <a:off x="792000" y="288000"/>
+            <a:ext cx="2016000" cy="346320"/>
+          </a:xfrm>
+          <a:prstGeom prst="rect">
+            <a:avLst/>
+          </a:prstGeom>
+          <a:noFill/>
+          <a:ln>
+            <a:noFill/>
+          </a:ln>
+        </p:spPr>
+      </p:sp>
+      <p:sp>
+        <p:nvSpPr>
+          <p:cNvPr id="131" name="TextShape 16"/>
+          <p:cNvSpPr txBox="1"/>
+          <p:nvPr/>
+        </p:nvSpPr>
+        <p:spPr>
+          <a:xfrm>
+            <a:off x="144000" y="648000"/>
+            <a:ext cx="2664000" cy="858240"/>
+          </a:xfrm>
+          <a:prstGeom prst="rect">
+            <a:avLst/>
+          </a:prstGeom>
+          <a:noFill/>
+          <a:ln>
+            <a:noFill/>
+          </a:ln>
+        </p:spPr>
+        <p:txBody>
+          <a:bodyPr lIns="90000" rIns="90000" tIns="45000" bIns="45000">
+            <a:noAutofit/>
+          </a:bodyPr>
+          <a:p>
+            <a:r>
+              <a:rPr b="0" lang="sv-SE" sz="1800" spc="-1" strike="noStrike">
+                <a:latin typeface="Arial"/>
+              </a:rPr>
+              <a:t>PM Data Filtering/multiplexing</a:t>
+            </a:r>
+            <a:endParaRPr b="0" lang="sv-SE" sz="1800" spc="-1" strike="noStrike">
+              <a:latin typeface="Arial"/>
+            </a:endParaRPr>
+          </a:p>
+        </p:txBody>
+      </p:sp>
+    </p:spTree>
+  </p:cSld>
+  <mc:AlternateContent>
+    <mc:Choice Requires="p14">
+      <p:transition spd="slow" p14:dur="2000"/>
+    </mc:Choice>
+    <mc:Fallback>
+      <p:transition spd="slow"/>
+    </mc:Fallback>
+  </mc:AlternateContent>
+</p:sld>
+</file>
+
+<file path=ppt/slides/slide4.xml><?xml version="1.0" encoding="utf-8"?>
+<p:sld xmlns:a="http://schemas.openxmlformats.org/drawingml/2006/main" xmlns:p="http://schemas.openxmlformats.org/presentationml/2006/main" xmlns:r="http://schemas.openxmlformats.org/officeDocument/2006/relationships" xmlns:p14="http://schemas.microsoft.com/office/powerpoint/2010/main" xmlns:p15="http://schemas.microsoft.com/office/powerpoint/2012/main" xmlns:mc="http://schemas.openxmlformats.org/markup-compatibility/2006">
+  <p:cSld>
+    <p:spTree>
+      <p:nvGrpSpPr>
+        <p:cNvPr id="1" name=""/>
+        <p:cNvGrpSpPr/>
+        <p:nvPr/>
+      </p:nvGrpSpPr>
+      <p:grpSpPr>
+        <a:xfrm>
+          <a:off x="0" y="0"/>
+          <a:ext cx="0" cy="0"/>
+          <a:chOff x="0" y="0"/>
+          <a:chExt cx="0" cy="0"/>
+        </a:xfrm>
+      </p:grpSpPr>
+      <p:sp>
+        <p:nvSpPr>
+          <p:cNvPr id="132" name="CustomShape 1"/>
+          <p:cNvSpPr/>
+          <p:nvPr/>
+        </p:nvSpPr>
+        <p:spPr>
+          <a:xfrm>
+            <a:off x="9631080" y="271800"/>
+            <a:ext cx="1994400" cy="985680"/>
+          </a:xfrm>
+          <a:prstGeom prst="roundRect">
+            <a:avLst>
+              <a:gd name="adj" fmla="val 16667"/>
+            </a:avLst>
+          </a:prstGeom>
+          <a:solidFill>
+            <a:srgbClr val="7030a0"/>
+          </a:solidFill>
+          <a:ln>
+            <a:solidFill>
+              <a:srgbClr val="7030a0"/>
+            </a:solidFill>
+          </a:ln>
+        </p:spPr>
+        <p:style>
+          <a:lnRef idx="2">
+            <a:schemeClr val="accent1">
+              <a:shade val="50000"/>
+            </a:schemeClr>
+          </a:lnRef>
+          <a:fillRef idx="1">
+            <a:schemeClr val="accent1"/>
+          </a:fillRef>
+          <a:effectRef idx="0">
+            <a:schemeClr val="accent1"/>
+          </a:effectRef>
+          <a:fontRef idx="minor"/>
+        </p:style>
+        <p:txBody>
+          <a:bodyPr lIns="90000" rIns="90000" tIns="45000" bIns="45000" anchor="ctr">
+            <a:noAutofit/>
+          </a:bodyPr>
+          <a:p>
+            <a:pPr algn="ctr">
+              <a:lnSpc>
+                <a:spcPct val="100000"/>
+              </a:lnSpc>
+            </a:pPr>
+            <a:r>
+              <a:rPr b="0" lang="sv-SE" sz="1800" spc="-1" strike="noStrike">
+                <a:solidFill>
+                  <a:srgbClr val="ffffff"/>
+                </a:solidFill>
+                <a:latin typeface="Calibri"/>
+                <a:ea typeface="DejaVu Sans"/>
+              </a:rPr>
+              <a:t>PM Data Consumer</a:t>
+            </a:r>
+            <a:endParaRPr b="0" lang="sv-SE" sz="1800" spc="-1" strike="noStrike">
+              <a:latin typeface="Arial"/>
+            </a:endParaRPr>
+          </a:p>
+        </p:txBody>
+      </p:sp>
+      <p:sp>
+        <p:nvSpPr>
+          <p:cNvPr id="133" name="CustomShape 2"/>
+          <p:cNvSpPr/>
+          <p:nvPr/>
+        </p:nvSpPr>
+        <p:spPr>
+          <a:xfrm>
+            <a:off x="2844000" y="127800"/>
+            <a:ext cx="5220000" cy="4657680"/>
+          </a:xfrm>
+          <a:prstGeom prst="roundRect">
+            <a:avLst>
+              <a:gd name="adj" fmla="val 16667"/>
+            </a:avLst>
+          </a:prstGeom>
+          <a:solidFill>
+            <a:srgbClr val="7030a0"/>
+          </a:solidFill>
+          <a:ln>
+            <a:solidFill>
+              <a:srgbClr val="7030a0"/>
+            </a:solidFill>
+          </a:ln>
+        </p:spPr>
+        <p:style>
+          <a:lnRef idx="2">
+            <a:schemeClr val="accent1">
+              <a:shade val="50000"/>
+            </a:schemeClr>
+          </a:lnRef>
+          <a:fillRef idx="1">
+            <a:schemeClr val="accent1"/>
+          </a:fillRef>
+          <a:effectRef idx="0">
+            <a:schemeClr val="accent1"/>
+          </a:effectRef>
+          <a:fontRef idx="minor"/>
+        </p:style>
+      </p:sp>
+      <p:sp>
+        <p:nvSpPr>
+          <p:cNvPr id="134" name="CustomShape 3"/>
+          <p:cNvSpPr/>
+          <p:nvPr/>
+        </p:nvSpPr>
+        <p:spPr>
+          <a:xfrm>
+            <a:off x="9775080" y="1927800"/>
+            <a:ext cx="1994400" cy="985680"/>
+          </a:xfrm>
+          <a:prstGeom prst="roundRect">
+            <a:avLst>
+              <a:gd name="adj" fmla="val 16667"/>
+            </a:avLst>
+          </a:prstGeom>
+          <a:solidFill>
+            <a:srgbClr val="7030a0"/>
+          </a:solidFill>
+          <a:ln>
+            <a:solidFill>
+              <a:srgbClr val="7030a0"/>
+            </a:solidFill>
+          </a:ln>
+        </p:spPr>
+        <p:style>
+          <a:lnRef idx="2">
+            <a:schemeClr val="accent1">
+              <a:shade val="50000"/>
+            </a:schemeClr>
+          </a:lnRef>
+          <a:fillRef idx="1">
+            <a:schemeClr val="accent1"/>
+          </a:fillRef>
+          <a:effectRef idx="0">
+            <a:schemeClr val="accent1"/>
+          </a:effectRef>
+          <a:fontRef idx="minor"/>
+        </p:style>
+        <p:txBody>
+          <a:bodyPr lIns="90000" rIns="90000" tIns="45000" bIns="45000" anchor="ctr">
+            <a:noAutofit/>
+          </a:bodyPr>
+          <a:p>
+            <a:pPr algn="ctr">
+              <a:lnSpc>
+                <a:spcPct val="100000"/>
+              </a:lnSpc>
+            </a:pPr>
+            <a:r>
+              <a:rPr b="0" lang="sv-SE" sz="1800" spc="-1" strike="noStrike">
+                <a:solidFill>
+                  <a:srgbClr val="ffffff"/>
+                </a:solidFill>
+                <a:latin typeface="Calibri"/>
+                <a:ea typeface="DejaVu Sans"/>
+              </a:rPr>
+              <a:t>PM Data Consumer</a:t>
+            </a:r>
+            <a:endParaRPr b="0" lang="sv-SE" sz="1800" spc="-1" strike="noStrike">
+              <a:latin typeface="Arial"/>
+            </a:endParaRPr>
+          </a:p>
+        </p:txBody>
+      </p:sp>
+      <p:sp>
+        <p:nvSpPr>
+          <p:cNvPr id="135" name="CustomShape 4"/>
+          <p:cNvSpPr/>
+          <p:nvPr/>
+        </p:nvSpPr>
+        <p:spPr>
+          <a:xfrm>
+            <a:off x="9703080" y="3511800"/>
+            <a:ext cx="1994400" cy="985680"/>
+          </a:xfrm>
+          <a:prstGeom prst="roundRect">
+            <a:avLst>
+              <a:gd name="adj" fmla="val 16667"/>
+            </a:avLst>
+          </a:prstGeom>
+          <a:solidFill>
+            <a:srgbClr val="7030a0"/>
+          </a:solidFill>
+          <a:ln>
+            <a:solidFill>
+              <a:srgbClr val="7030a0"/>
+            </a:solidFill>
+          </a:ln>
+        </p:spPr>
+        <p:style>
+          <a:lnRef idx="2">
+            <a:schemeClr val="accent1">
+              <a:shade val="50000"/>
+            </a:schemeClr>
+          </a:lnRef>
+          <a:fillRef idx="1">
+            <a:schemeClr val="accent1"/>
+          </a:fillRef>
+          <a:effectRef idx="0">
+            <a:schemeClr val="accent1"/>
+          </a:effectRef>
+          <a:fontRef idx="minor"/>
+        </p:style>
+        <p:txBody>
+          <a:bodyPr lIns="90000" rIns="90000" tIns="45000" bIns="45000" anchor="ctr">
+            <a:noAutofit/>
+          </a:bodyPr>
+          <a:p>
+            <a:pPr algn="ctr">
+              <a:lnSpc>
+                <a:spcPct val="100000"/>
+              </a:lnSpc>
+            </a:pPr>
+            <a:r>
+              <a:rPr b="0" lang="sv-SE" sz="1800" spc="-1" strike="noStrike">
+                <a:solidFill>
+                  <a:srgbClr val="ffffff"/>
+                </a:solidFill>
+                <a:latin typeface="Calibri"/>
+                <a:ea typeface="DejaVu Sans"/>
+              </a:rPr>
+              <a:t>PM Data Consumer</a:t>
+            </a:r>
+            <a:endParaRPr b="0" lang="sv-SE" sz="1800" spc="-1" strike="noStrike">
+              <a:latin typeface="Arial"/>
+            </a:endParaRPr>
+          </a:p>
+        </p:txBody>
+      </p:sp>
+      <p:sp>
+        <p:nvSpPr>
+          <p:cNvPr id="136" name="CustomShape 5"/>
+          <p:cNvSpPr/>
+          <p:nvPr/>
+        </p:nvSpPr>
+        <p:spPr>
+          <a:xfrm>
+            <a:off x="8192880" y="1841040"/>
+            <a:ext cx="1455120" cy="1182960"/>
+          </a:xfrm>
+          <a:prstGeom prst="rect">
+            <a:avLst/>
+          </a:prstGeom>
+          <a:blipFill rotWithShape="0">
+            <a:blip r:embed="rId1"/>
+            <a:stretch>
+              <a:fillRect/>
+            </a:stretch>
+          </a:blipFill>
+          <a:ln>
+            <a:noFill/>
+          </a:ln>
+        </p:spPr>
+        <p:style>
+          <a:lnRef idx="0"/>
+          <a:fillRef idx="0"/>
+          <a:effectRef idx="0"/>
+          <a:fontRef idx="minor"/>
+        </p:style>
+        <p:txBody>
+          <a:bodyPr lIns="0" rIns="0" tIns="45000" bIns="45000" anchor="ctr" anchorCtr="1">
+            <a:noAutofit/>
+          </a:bodyPr>
+          <a:p>
+            <a:pPr algn="ctr">
+              <a:lnSpc>
+                <a:spcPct val="100000"/>
+              </a:lnSpc>
+            </a:pPr>
+            <a:r>
+              <a:rPr b="0" lang="sv-SE" sz="1800" spc="-1" strike="noStrike">
+                <a:solidFill>
+                  <a:srgbClr val="000000"/>
+                </a:solidFill>
+                <a:latin typeface="Arial"/>
+                <a:ea typeface="DejaVu Sans"/>
+              </a:rPr>
+              <a:t>Topic A</a:t>
+            </a:r>
+            <a:endParaRPr b="0" lang="sv-SE" sz="1800" spc="-1" strike="noStrike">
+              <a:latin typeface="Arial"/>
+            </a:endParaRPr>
+          </a:p>
+        </p:txBody>
+      </p:sp>
+      <p:sp>
+        <p:nvSpPr>
+          <p:cNvPr id="137" name="CustomShape 6"/>
+          <p:cNvSpPr/>
+          <p:nvPr/>
+        </p:nvSpPr>
+        <p:spPr>
+          <a:xfrm>
+            <a:off x="5195880" y="191880"/>
+            <a:ext cx="1461600" cy="1425600"/>
+          </a:xfrm>
+          <a:prstGeom prst="rect">
+            <a:avLst/>
+          </a:prstGeom>
+          <a:blipFill rotWithShape="0">
+            <a:blip r:embed="rId2"/>
+            <a:stretch>
+              <a:fillRect/>
+            </a:stretch>
+          </a:blipFill>
+          <a:ln>
+            <a:noFill/>
+          </a:ln>
+        </p:spPr>
+        <p:style>
+          <a:lnRef idx="0"/>
+          <a:fillRef idx="0"/>
+          <a:effectRef idx="0"/>
+          <a:fontRef idx="minor"/>
+        </p:style>
+        <p:txBody>
+          <a:bodyPr lIns="0" rIns="0" tIns="45000" bIns="45000" anchor="ctr" anchorCtr="1">
+            <a:noAutofit/>
+          </a:bodyPr>
+          <a:p>
+            <a:pPr algn="ctr">
+              <a:lnSpc>
+                <a:spcPct val="100000"/>
+              </a:lnSpc>
+            </a:pPr>
+            <a:r>
+              <a:rPr b="0" lang="sv-SE" sz="1800" spc="-1" strike="noStrike">
+                <a:solidFill>
+                  <a:srgbClr val="000000"/>
+                </a:solidFill>
+                <a:latin typeface="Arial"/>
+                <a:ea typeface="DejaVu Sans"/>
+              </a:rPr>
+              <a:t>Job 1</a:t>
+            </a:r>
+            <a:endParaRPr b="0" lang="sv-SE" sz="1800" spc="-1" strike="noStrike">
+              <a:latin typeface="Arial"/>
+            </a:endParaRPr>
+          </a:p>
+        </p:txBody>
+      </p:sp>
+      <p:sp>
+        <p:nvSpPr>
+          <p:cNvPr id="138" name="CustomShape 7"/>
+          <p:cNvSpPr/>
+          <p:nvPr/>
+        </p:nvSpPr>
+        <p:spPr>
+          <a:xfrm>
+            <a:off x="5220000" y="1703880"/>
+            <a:ext cx="1461600" cy="1425600"/>
+          </a:xfrm>
+          <a:prstGeom prst="rect">
+            <a:avLst/>
+          </a:prstGeom>
+          <a:blipFill rotWithShape="0">
+            <a:blip r:embed="rId3"/>
+            <a:stretch>
+              <a:fillRect/>
+            </a:stretch>
+          </a:blipFill>
+          <a:ln>
+            <a:noFill/>
+          </a:ln>
+        </p:spPr>
+        <p:style>
+          <a:lnRef idx="0"/>
+          <a:fillRef idx="0"/>
+          <a:effectRef idx="0"/>
+          <a:fontRef idx="minor"/>
+        </p:style>
+        <p:txBody>
+          <a:bodyPr lIns="0" rIns="0" tIns="45000" bIns="45000" anchor="ctr" anchorCtr="1">
+            <a:noAutofit/>
+          </a:bodyPr>
+          <a:p>
+            <a:pPr algn="ctr">
+              <a:lnSpc>
+                <a:spcPct val="100000"/>
+              </a:lnSpc>
+            </a:pPr>
+            <a:r>
+              <a:rPr b="0" lang="sv-SE" sz="1800" spc="-1" strike="noStrike">
+                <a:solidFill>
+                  <a:srgbClr val="000000"/>
+                </a:solidFill>
+                <a:latin typeface="Arial"/>
+                <a:ea typeface="DejaVu Sans"/>
+              </a:rPr>
+              <a:t>Job 2</a:t>
+            </a:r>
+            <a:endParaRPr b="0" lang="sv-SE" sz="1800" spc="-1" strike="noStrike">
+              <a:latin typeface="Arial"/>
+            </a:endParaRPr>
+          </a:p>
+        </p:txBody>
+      </p:sp>
+      <p:sp>
+        <p:nvSpPr>
+          <p:cNvPr id="139" name="CustomShape 8"/>
+          <p:cNvSpPr/>
+          <p:nvPr/>
+        </p:nvSpPr>
+        <p:spPr>
+          <a:xfrm>
+            <a:off x="5231880" y="3096000"/>
+            <a:ext cx="1461600" cy="1425600"/>
+          </a:xfrm>
+          <a:prstGeom prst="rect">
+            <a:avLst/>
+          </a:prstGeom>
+          <a:blipFill rotWithShape="0">
+            <a:blip r:embed="rId4"/>
+            <a:stretch>
+              <a:fillRect/>
+            </a:stretch>
+          </a:blipFill>
+          <a:ln>
+            <a:noFill/>
+          </a:ln>
+        </p:spPr>
+        <p:style>
+          <a:lnRef idx="0"/>
+          <a:fillRef idx="0"/>
+          <a:effectRef idx="0"/>
+          <a:fontRef idx="minor"/>
+        </p:style>
+        <p:txBody>
+          <a:bodyPr lIns="0" rIns="0" tIns="45000" bIns="45000" anchor="ctr" anchorCtr="1">
+            <a:noAutofit/>
+          </a:bodyPr>
+          <a:p>
+            <a:pPr algn="ctr">
+              <a:lnSpc>
+                <a:spcPct val="100000"/>
+              </a:lnSpc>
+            </a:pPr>
+            <a:r>
+              <a:rPr b="0" lang="sv-SE" sz="1800" spc="-1" strike="noStrike">
+                <a:solidFill>
+                  <a:srgbClr val="000000"/>
+                </a:solidFill>
+                <a:latin typeface="Arial"/>
+                <a:ea typeface="DejaVu Sans"/>
+              </a:rPr>
+              <a:t>Job 3</a:t>
+            </a:r>
+            <a:endParaRPr b="0" lang="sv-SE" sz="1800" spc="-1" strike="noStrike">
+              <a:latin typeface="Arial"/>
+            </a:endParaRPr>
+          </a:p>
+        </p:txBody>
+      </p:sp>
+      <p:sp>
+        <p:nvSpPr>
+          <p:cNvPr id="140" name="CustomShape 9"/>
+          <p:cNvSpPr/>
+          <p:nvPr/>
+        </p:nvSpPr>
+        <p:spPr>
+          <a:xfrm>
+            <a:off x="2969280" y="2844000"/>
+            <a:ext cx="2032200" cy="1725480"/>
+          </a:xfrm>
+          <a:prstGeom prst="rect">
+            <a:avLst/>
+          </a:prstGeom>
+          <a:blipFill rotWithShape="0">
+            <a:blip r:embed="rId5"/>
+            <a:stretch>
+              <a:fillRect/>
+            </a:stretch>
+          </a:blipFill>
+          <a:ln>
+            <a:noFill/>
+          </a:ln>
+        </p:spPr>
+        <p:style>
+          <a:lnRef idx="0"/>
+          <a:fillRef idx="0"/>
+          <a:effectRef idx="0"/>
+          <a:fontRef idx="minor"/>
+        </p:style>
+        <p:txBody>
+          <a:bodyPr lIns="0" rIns="0" tIns="45000" bIns="45000" anchor="ctr" anchorCtr="1">
+            <a:noAutofit/>
+          </a:bodyPr>
+          <a:p>
+            <a:pPr algn="ctr">
+              <a:lnSpc>
+                <a:spcPct val="100000"/>
+              </a:lnSpc>
+            </a:pPr>
+            <a:r>
+              <a:rPr b="0" lang="sv-SE" sz="1800" spc="-1" strike="noStrike">
+                <a:solidFill>
+                  <a:srgbClr val="000000"/>
+                </a:solidFill>
+                <a:latin typeface="Arial"/>
+                <a:ea typeface="DejaVu Sans"/>
+              </a:rPr>
+              <a:t>ROP File Data</a:t>
+            </a:r>
+            <a:endParaRPr b="0" lang="sv-SE" sz="1800" spc="-1" strike="noStrike">
+              <a:latin typeface="Arial"/>
+            </a:endParaRPr>
+          </a:p>
+        </p:txBody>
+      </p:sp>
+      <p:sp>
+        <p:nvSpPr>
+          <p:cNvPr id="141" name="CustomShape 10"/>
+          <p:cNvSpPr/>
+          <p:nvPr/>
+        </p:nvSpPr>
+        <p:spPr>
+          <a:xfrm>
+            <a:off x="10063080" y="4303800"/>
+            <a:ext cx="1994400" cy="985680"/>
+          </a:xfrm>
+          <a:prstGeom prst="roundRect">
+            <a:avLst>
+              <a:gd name="adj" fmla="val 16667"/>
+            </a:avLst>
+          </a:prstGeom>
+          <a:solidFill>
+            <a:srgbClr val="7030a0"/>
+          </a:solidFill>
+          <a:ln>
+            <a:solidFill>
+              <a:srgbClr val="7030a0"/>
+            </a:solidFill>
+          </a:ln>
+        </p:spPr>
+        <p:style>
+          <a:lnRef idx="2">
+            <a:schemeClr val="accent1">
+              <a:shade val="50000"/>
+            </a:schemeClr>
+          </a:lnRef>
+          <a:fillRef idx="1">
+            <a:schemeClr val="accent1"/>
+          </a:fillRef>
+          <a:effectRef idx="0">
+            <a:schemeClr val="accent1"/>
+          </a:effectRef>
+          <a:fontRef idx="minor"/>
+        </p:style>
+        <p:txBody>
+          <a:bodyPr lIns="90000" rIns="90000" tIns="45000" bIns="45000" anchor="ctr">
+            <a:noAutofit/>
+          </a:bodyPr>
+          <a:p>
+            <a:pPr algn="ctr">
+              <a:lnSpc>
+                <a:spcPct val="100000"/>
+              </a:lnSpc>
+            </a:pPr>
+            <a:r>
+              <a:rPr b="0" lang="sv-SE" sz="1800" spc="-1" strike="noStrike">
+                <a:solidFill>
+                  <a:srgbClr val="ffffff"/>
+                </a:solidFill>
+                <a:latin typeface="Calibri"/>
+                <a:ea typeface="DejaVu Sans"/>
+              </a:rPr>
+              <a:t>PM Data Consumer</a:t>
+            </a:r>
+            <a:endParaRPr b="0" lang="sv-SE" sz="1800" spc="-1" strike="noStrike">
+              <a:latin typeface="Arial"/>
+            </a:endParaRPr>
+          </a:p>
+        </p:txBody>
+      </p:sp>
+      <p:sp>
+        <p:nvSpPr>
+          <p:cNvPr id="142" name="CustomShape 11"/>
+          <p:cNvSpPr/>
+          <p:nvPr/>
+        </p:nvSpPr>
+        <p:spPr>
+          <a:xfrm>
+            <a:off x="2089800" y="6048000"/>
+            <a:ext cx="5325480" cy="458640"/>
+          </a:xfrm>
+          <a:prstGeom prst="roundRect">
+            <a:avLst>
+              <a:gd name="adj" fmla="val 16667"/>
+            </a:avLst>
+          </a:prstGeom>
+          <a:solidFill>
+            <a:srgbClr val="2a6099"/>
+          </a:solidFill>
+          <a:ln/>
+        </p:spPr>
+        <p:style>
+          <a:lnRef idx="2">
+            <a:schemeClr val="accent1">
+              <a:shade val="50000"/>
+            </a:schemeClr>
+          </a:lnRef>
+          <a:fillRef idx="1">
+            <a:schemeClr val="accent1"/>
+          </a:fillRef>
+          <a:effectRef idx="0">
+            <a:schemeClr val="accent1"/>
+          </a:effectRef>
+          <a:fontRef idx="minor"/>
+        </p:style>
+        <p:txBody>
+          <a:bodyPr lIns="90000" rIns="90000" tIns="45000" bIns="45000" anchor="ctr">
+            <a:noAutofit/>
+          </a:bodyPr>
+          <a:p>
+            <a:pPr algn="ctr">
+              <a:lnSpc>
+                <a:spcPct val="100000"/>
+              </a:lnSpc>
+            </a:pPr>
+            <a:r>
+              <a:rPr b="0" lang="sv-SE" sz="1800" spc="-1" strike="noStrike">
+                <a:solidFill>
+                  <a:srgbClr val="000000"/>
+                </a:solidFill>
+                <a:latin typeface="Arial"/>
+                <a:ea typeface="DejaVu Sans"/>
+              </a:rPr>
+              <a:t>PM Files Data Store</a:t>
+            </a:r>
+            <a:endParaRPr b="0" lang="sv-SE" sz="1800" spc="-1" strike="noStrike">
+              <a:latin typeface="Arial"/>
+            </a:endParaRPr>
+          </a:p>
+        </p:txBody>
+      </p:sp>
+      <p:sp>
+        <p:nvSpPr>
+          <p:cNvPr id="143" name="CustomShape 12"/>
+          <p:cNvSpPr/>
+          <p:nvPr/>
+        </p:nvSpPr>
+        <p:spPr>
+          <a:xfrm>
+            <a:off x="414360" y="1764000"/>
+            <a:ext cx="1455120" cy="1182960"/>
+          </a:xfrm>
+          <a:prstGeom prst="rect">
+            <a:avLst/>
+          </a:prstGeom>
+          <a:blipFill rotWithShape="0">
+            <a:blip r:embed="rId6"/>
+            <a:stretch>
+              <a:fillRect/>
+            </a:stretch>
+          </a:blipFill>
+          <a:ln>
+            <a:noFill/>
+          </a:ln>
+        </p:spPr>
+        <p:style>
+          <a:lnRef idx="0"/>
+          <a:fillRef idx="0"/>
+          <a:effectRef idx="0"/>
+          <a:fontRef idx="minor"/>
+        </p:style>
+        <p:txBody>
+          <a:bodyPr lIns="0" rIns="0" tIns="45000" bIns="45000" anchor="ctr" anchorCtr="1">
+            <a:noAutofit/>
+          </a:bodyPr>
+          <a:p>
+            <a:pPr algn="ctr">
+              <a:lnSpc>
+                <a:spcPct val="100000"/>
+              </a:lnSpc>
+            </a:pPr>
+            <a:r>
+              <a:rPr b="0" lang="sv-SE" sz="1800" spc="-1" strike="noStrike">
+                <a:solidFill>
+                  <a:srgbClr val="000000"/>
+                </a:solidFill>
+                <a:latin typeface="Arial"/>
+                <a:ea typeface="DejaVu Sans"/>
+              </a:rPr>
+              <a:t>File Ready</a:t>
+            </a:r>
+            <a:endParaRPr b="0" lang="sv-SE" sz="1800" spc="-1" strike="noStrike">
+              <a:latin typeface="Arial"/>
+            </a:endParaRPr>
+          </a:p>
+        </p:txBody>
+      </p:sp>
+      <p:pic>
+        <p:nvPicPr>
+          <p:cNvPr id="144" name="" descr=""/>
+          <p:cNvPicPr/>
+          <p:nvPr/>
+        </p:nvPicPr>
+        <p:blipFill>
+          <a:blip r:embed="rId7"/>
+          <a:stretch/>
+        </p:blipFill>
+        <p:spPr>
+          <a:xfrm>
+            <a:off x="3454920" y="4680000"/>
+            <a:ext cx="756360" cy="1367280"/>
+          </a:xfrm>
+          <a:prstGeom prst="rect">
+            <a:avLst/>
+          </a:prstGeom>
+          <a:ln>
+            <a:noFill/>
+          </a:ln>
+        </p:spPr>
+      </p:pic>
+      <p:sp>
+        <p:nvSpPr>
+          <p:cNvPr id="145" name="TextShape 13"/>
+          <p:cNvSpPr txBox="1"/>
+          <p:nvPr/>
+        </p:nvSpPr>
+        <p:spPr>
+          <a:xfrm>
+            <a:off x="144000" y="648000"/>
+            <a:ext cx="2664000" cy="858240"/>
+          </a:xfrm>
+          <a:prstGeom prst="rect">
+            <a:avLst/>
+          </a:prstGeom>
+          <a:noFill/>
+          <a:ln>
+            <a:noFill/>
+          </a:ln>
+        </p:spPr>
+        <p:txBody>
+          <a:bodyPr lIns="90000" rIns="90000" tIns="45000" bIns="45000">
+            <a:noAutofit/>
+          </a:bodyPr>
+          <a:p>
+            <a:r>
+              <a:rPr b="0" lang="sv-SE" sz="1800" spc="-1" strike="noStrike">
+                <a:latin typeface="Arial"/>
+              </a:rPr>
+              <a:t>PM Data Aggregation</a:t>
+            </a:r>
+            <a:endParaRPr b="0" lang="sv-SE" sz="1800" spc="-1" strike="noStrike">
+              <a:latin typeface="Arial"/>
+            </a:endParaRPr>
+          </a:p>
+          <a:p>
+            <a:r>
+              <a:rPr b="0" lang="sv-SE" sz="1800" spc="-1" strike="noStrike">
+                <a:latin typeface="Arial"/>
+              </a:rPr>
+              <a:t>Shared topic</a:t>
+            </a:r>
+            <a:endParaRPr b="0" lang="sv-SE" sz="1800" spc="-1" strike="noStrike">
+              <a:latin typeface="Arial"/>
+            </a:endParaRPr>
+          </a:p>
+        </p:txBody>
+      </p:sp>
+      <p:sp>
+        <p:nvSpPr>
+          <p:cNvPr id="146" name="CustomShape 14"/>
+          <p:cNvSpPr/>
+          <p:nvPr/>
+        </p:nvSpPr>
+        <p:spPr>
+          <a:xfrm>
+            <a:off x="6693480" y="1658520"/>
+            <a:ext cx="1314720" cy="1725480"/>
+          </a:xfrm>
+          <a:prstGeom prst="rect">
+            <a:avLst/>
+          </a:prstGeom>
+          <a:blipFill rotWithShape="0">
+            <a:blip r:embed="rId8"/>
+            <a:stretch>
+              <a:fillRect/>
+            </a:stretch>
+          </a:blipFill>
+          <a:ln>
+            <a:noFill/>
+          </a:ln>
+        </p:spPr>
+        <p:style>
+          <a:lnRef idx="0"/>
+          <a:fillRef idx="0"/>
+          <a:effectRef idx="0"/>
+          <a:fontRef idx="minor"/>
+        </p:style>
+        <p:txBody>
+          <a:bodyPr lIns="0" rIns="0" tIns="45000" bIns="45000" anchor="ctr" anchorCtr="1">
+            <a:noAutofit/>
+          </a:bodyPr>
+          <a:p>
+            <a:pPr algn="ctr">
+              <a:lnSpc>
+                <a:spcPct val="100000"/>
+              </a:lnSpc>
+            </a:pPr>
+            <a:r>
+              <a:rPr b="0" lang="sv-SE" sz="1800" spc="-1" strike="noStrike">
+                <a:solidFill>
+                  <a:srgbClr val="000000"/>
+                </a:solidFill>
+                <a:latin typeface="Arial"/>
+                <a:ea typeface="DejaVu Sans"/>
+              </a:rPr>
+              <a:t>Aggregated</a:t>
+            </a:r>
+            <a:endParaRPr b="0" lang="sv-SE" sz="1800" spc="-1" strike="noStrike">
+              <a:latin typeface="Arial"/>
+            </a:endParaRPr>
+          </a:p>
+          <a:p>
+            <a:pPr algn="ctr">
+              <a:lnSpc>
+                <a:spcPct val="100000"/>
+              </a:lnSpc>
+            </a:pPr>
+            <a:r>
+              <a:rPr b="0" lang="sv-SE" sz="1800" spc="-1" strike="noStrike">
+                <a:solidFill>
+                  <a:srgbClr val="000000"/>
+                </a:solidFill>
+                <a:latin typeface="Arial"/>
+                <a:ea typeface="DejaVu Sans"/>
+              </a:rPr>
+              <a:t>Filter</a:t>
+            </a:r>
+            <a:endParaRPr b="0" lang="sv-SE" sz="1800" spc="-1" strike="noStrike">
+              <a:latin typeface="Arial"/>
+            </a:endParaRPr>
+          </a:p>
+        </p:txBody>
+      </p:sp>
     </p:spTree>
   </p:cSld>
   <mc:AlternateContent>
@@ -3915,6 +7338,232 @@
 </file>
 
 <file path=ppt/theme/theme1.xml><?xml version="1.0" encoding="utf-8"?>
+<a:theme xmlns:a="http://schemas.openxmlformats.org/drawingml/2006/main" name="Office Theme">
+  <a:themeElements>
+    <a:clrScheme name="Office">
+      <a:dk1>
+        <a:sysClr val="windowText" lastClr="000000"/>
+      </a:dk1>
+      <a:lt1>
+        <a:sysClr val="window" lastClr="FFFFFF"/>
+      </a:lt1>
+      <a:dk2>
+        <a:srgbClr val="44546a"/>
+      </a:dk2>
+      <a:lt2>
+        <a:srgbClr val="e7e6e6"/>
+      </a:lt2>
+      <a:accent1>
+        <a:srgbClr val="4472c4"/>
+      </a:accent1>
+      <a:accent2>
+        <a:srgbClr val="ed7d31"/>
+      </a:accent2>
+      <a:accent3>
+        <a:srgbClr val="a5a5a5"/>
+      </a:accent3>
+      <a:accent4>
+        <a:srgbClr val="ffc000"/>
+      </a:accent4>
+      <a:accent5>
+        <a:srgbClr val="5b9bd5"/>
+      </a:accent5>
+      <a:accent6>
+        <a:srgbClr val="70ad47"/>
+      </a:accent6>
+      <a:hlink>
+        <a:srgbClr val="0563c1"/>
+      </a:hlink>
+      <a:folHlink>
+        <a:srgbClr val="954f72"/>
+      </a:folHlink>
+    </a:clrScheme>
+    <a:fontScheme name="Office">
+      <a:majorFont>
+        <a:latin typeface="Arial"/>
+        <a:ea typeface="DejaVu Sans"/>
+        <a:cs typeface="DejaVu Sans"/>
+      </a:majorFont>
+      <a:minorFont>
+        <a:latin typeface="Arial"/>
+        <a:ea typeface="DejaVu Sans"/>
+        <a:cs typeface="DejaVu Sans"/>
+      </a:minorFont>
+    </a:fontScheme>
+    <a:fmtScheme name="Office">
+      <a:fillStyleLst>
+        <a:solidFill>
+          <a:schemeClr val="phClr"/>
+        </a:solidFill>
+        <a:gradFill rotWithShape="1">
+          <a:gsLst>
+            <a:gs pos="0">
+              <a:schemeClr val="phClr">
+                <a:tint val="50000"/>
+                <a:satMod val="300000"/>
+              </a:schemeClr>
+            </a:gs>
+            <a:gs pos="35000">
+              <a:schemeClr val="phClr">
+                <a:tint val="37000"/>
+                <a:satMod val="300000"/>
+              </a:schemeClr>
+            </a:gs>
+            <a:gs pos="100000">
+              <a:schemeClr val="phClr">
+                <a:tint val="15000"/>
+                <a:satMod val="350000"/>
+              </a:schemeClr>
+            </a:gs>
+          </a:gsLst>
+          <a:lin ang="16200000" scaled="1"/>
+        </a:gradFill>
+        <a:gradFill rotWithShape="1">
+          <a:gsLst>
+            <a:gs pos="0">
+              <a:schemeClr val="phClr">
+                <a:shade val="51000"/>
+                <a:satMod val="130000"/>
+              </a:schemeClr>
+            </a:gs>
+            <a:gs pos="80000">
+              <a:schemeClr val="phClr">
+                <a:shade val="93000"/>
+                <a:satMod val="130000"/>
+              </a:schemeClr>
+            </a:gs>
+            <a:gs pos="100000">
+              <a:schemeClr val="phClr">
+                <a:shade val="94000"/>
+                <a:satMod val="135000"/>
+              </a:schemeClr>
+            </a:gs>
+          </a:gsLst>
+          <a:lin ang="16200000" scaled="0"/>
+        </a:gradFill>
+      </a:fillStyleLst>
+      <a:lnStyleLst>
+        <a:ln w="9525" cap="flat" cmpd="sng" algn="ctr">
+          <a:solidFill>
+            <a:schemeClr val="phClr">
+              <a:shade val="95000"/>
+              <a:satMod val="105000"/>
+            </a:schemeClr>
+          </a:solidFill>
+          <a:prstDash val="solid"/>
+          <a:miter/>
+        </a:ln>
+        <a:ln w="25400" cap="flat" cmpd="sng" algn="ctr">
+          <a:solidFill>
+            <a:schemeClr val="phClr"/>
+          </a:solidFill>
+          <a:prstDash val="solid"/>
+          <a:miter/>
+        </a:ln>
+        <a:ln w="38100" cap="flat" cmpd="sng" algn="ctr">
+          <a:solidFill>
+            <a:schemeClr val="phClr"/>
+          </a:solidFill>
+          <a:prstDash val="solid"/>
+          <a:miter/>
+        </a:ln>
+      </a:lnStyleLst>
+      <a:effectStyleLst>
+        <a:effectStyle>
+          <a:effectLst>
+            <a:outerShdw blurRad="40000" dist="20000" dir="5400000" rotWithShape="0">
+              <a:srgbClr val="000000">
+                <a:alpha val="38000"/>
+              </a:srgbClr>
+            </a:outerShdw>
+          </a:effectLst>
+        </a:effectStyle>
+        <a:effectStyle>
+          <a:effectLst>
+            <a:outerShdw blurRad="40000" dist="23000" dir="5400000" rotWithShape="0">
+              <a:srgbClr val="000000">
+                <a:alpha val="35000"/>
+              </a:srgbClr>
+            </a:outerShdw>
+          </a:effectLst>
+        </a:effectStyle>
+        <a:effectStyle>
+          <a:effectLst>
+            <a:outerShdw blurRad="40000" dist="23000" dir="5400000" rotWithShape="0">
+              <a:srgbClr val="000000">
+                <a:alpha val="35000"/>
+              </a:srgbClr>
+            </a:outerShdw>
+          </a:effectLst>
+          <a:scene3d>
+            <a:camera prst="orthographicFront">
+              <a:rot lat="0" lon="0" rev="0"/>
+            </a:camera>
+            <a:lightRig rig="threePt" dir="t">
+              <a:rot lat="0" lon="0" rev="1200000"/>
+            </a:lightRig>
+          </a:scene3d>
+          <a:sp3d>
+            <a:bevelT w="63500" h="25400"/>
+          </a:sp3d>
+        </a:effectStyle>
+      </a:effectStyleLst>
+      <a:bgFillStyleLst>
+        <a:solidFill>
+          <a:schemeClr val="phClr"/>
+        </a:solidFill>
+        <a:gradFill rotWithShape="1">
+          <a:gsLst>
+            <a:gs pos="0">
+              <a:schemeClr val="phClr">
+                <a:tint val="40000"/>
+                <a:satMod val="350000"/>
+              </a:schemeClr>
+            </a:gs>
+            <a:gs pos="40000">
+              <a:schemeClr val="phClr">
+                <a:tint val="45000"/>
+                <a:shade val="99000"/>
+                <a:satMod val="350000"/>
+              </a:schemeClr>
+            </a:gs>
+            <a:gs pos="100000">
+              <a:schemeClr val="phClr">
+                <a:shade val="20000"/>
+                <a:satMod val="255000"/>
+              </a:schemeClr>
+            </a:gs>
+          </a:gsLst>
+          <a:path path="circle">
+            <a:fillToRect l="50000" t="-80000" r="50000" b="180000"/>
+          </a:path>
+        </a:gradFill>
+        <a:gradFill rotWithShape="1">
+          <a:gsLst>
+            <a:gs pos="0">
+              <a:schemeClr val="phClr">
+                <a:tint val="80000"/>
+                <a:satMod val="300000"/>
+              </a:schemeClr>
+            </a:gs>
+            <a:gs pos="100000">
+              <a:schemeClr val="phClr">
+                <a:shade val="30000"/>
+                <a:satMod val="200000"/>
+              </a:schemeClr>
+            </a:gs>
+          </a:gsLst>
+          <a:path path="circle">
+            <a:fillToRect l="50000" t="50000" r="50000" b="50000"/>
+          </a:path>
+        </a:gradFill>
+      </a:bgFillStyleLst>
+    </a:fmtScheme>
+  </a:themeElements>
+</a:theme>
+</file>
+
+<file path=ppt/theme/theme2.xml><?xml version="1.0" encoding="utf-8"?>
 <a:theme xmlns:a="http://schemas.openxmlformats.org/drawingml/2006/main" name="Office Theme">
   <a:themeElements>
     <a:clrScheme name="Office">
